--- a/DigSite/New Arcaism/uarm 2025 1/PensCrit/00 diccionario kantiano Mario Caimi - RAZON.pptx
+++ b/DigSite/New Arcaism/uarm 2025 1/PensCrit/00 diccionario kantiano Mario Caimi - RAZON.pptx
@@ -5,31 +5,33 @@
     <p:sldMasterId id="2147483648" r:id="rId1"/>
   </p:sldMasterIdLst>
   <p:sldIdLst>
-    <p:sldId id="256" r:id="rId2"/>
-    <p:sldId id="280" r:id="rId3"/>
-    <p:sldId id="257" r:id="rId4"/>
-    <p:sldId id="258" r:id="rId5"/>
-    <p:sldId id="259" r:id="rId6"/>
-    <p:sldId id="260" r:id="rId7"/>
-    <p:sldId id="261" r:id="rId8"/>
-    <p:sldId id="262" r:id="rId9"/>
-    <p:sldId id="263" r:id="rId10"/>
-    <p:sldId id="264" r:id="rId11"/>
-    <p:sldId id="265" r:id="rId12"/>
-    <p:sldId id="266" r:id="rId13"/>
-    <p:sldId id="267" r:id="rId14"/>
-    <p:sldId id="268" r:id="rId15"/>
-    <p:sldId id="269" r:id="rId16"/>
-    <p:sldId id="270" r:id="rId17"/>
-    <p:sldId id="271" r:id="rId18"/>
-    <p:sldId id="272" r:id="rId19"/>
-    <p:sldId id="273" r:id="rId20"/>
-    <p:sldId id="274" r:id="rId21"/>
-    <p:sldId id="275" r:id="rId22"/>
-    <p:sldId id="276" r:id="rId23"/>
-    <p:sldId id="277" r:id="rId24"/>
-    <p:sldId id="279" r:id="rId25"/>
-    <p:sldId id="281" r:id="rId26"/>
+    <p:sldId id="282" r:id="rId2"/>
+    <p:sldId id="283" r:id="rId3"/>
+    <p:sldId id="256" r:id="rId4"/>
+    <p:sldId id="280" r:id="rId5"/>
+    <p:sldId id="257" r:id="rId6"/>
+    <p:sldId id="258" r:id="rId7"/>
+    <p:sldId id="259" r:id="rId8"/>
+    <p:sldId id="260" r:id="rId9"/>
+    <p:sldId id="261" r:id="rId10"/>
+    <p:sldId id="262" r:id="rId11"/>
+    <p:sldId id="263" r:id="rId12"/>
+    <p:sldId id="264" r:id="rId13"/>
+    <p:sldId id="265" r:id="rId14"/>
+    <p:sldId id="266" r:id="rId15"/>
+    <p:sldId id="267" r:id="rId16"/>
+    <p:sldId id="268" r:id="rId17"/>
+    <p:sldId id="269" r:id="rId18"/>
+    <p:sldId id="270" r:id="rId19"/>
+    <p:sldId id="271" r:id="rId20"/>
+    <p:sldId id="272" r:id="rId21"/>
+    <p:sldId id="273" r:id="rId22"/>
+    <p:sldId id="274" r:id="rId23"/>
+    <p:sldId id="275" r:id="rId24"/>
+    <p:sldId id="276" r:id="rId25"/>
+    <p:sldId id="277" r:id="rId26"/>
+    <p:sldId id="279" r:id="rId27"/>
+    <p:sldId id="281" r:id="rId28"/>
   </p:sldIdLst>
   <p:sldSz cx="12192000" cy="6858000"/>
   <p:notesSz cx="6858000" cy="9144000"/>
@@ -285,7 +287,7 @@
           <a:p>
             <a:fld id="{4126B7EB-CDFF-43F4-8A4E-AA91997CA0D6}" type="datetimeFigureOut">
               <a:rPr lang="es-PE" smtClean="0"/>
-              <a:t>11/03/2025</a:t>
+              <a:t>21/03/2025</a:t>
             </a:fld>
             <a:endParaRPr lang="es-PE"/>
           </a:p>
@@ -485,7 +487,7 @@
           <a:p>
             <a:fld id="{4126B7EB-CDFF-43F4-8A4E-AA91997CA0D6}" type="datetimeFigureOut">
               <a:rPr lang="es-PE" smtClean="0"/>
-              <a:t>11/03/2025</a:t>
+              <a:t>21/03/2025</a:t>
             </a:fld>
             <a:endParaRPr lang="es-PE"/>
           </a:p>
@@ -695,7 +697,7 @@
           <a:p>
             <a:fld id="{4126B7EB-CDFF-43F4-8A4E-AA91997CA0D6}" type="datetimeFigureOut">
               <a:rPr lang="es-PE" smtClean="0"/>
-              <a:t>11/03/2025</a:t>
+              <a:t>21/03/2025</a:t>
             </a:fld>
             <a:endParaRPr lang="es-PE"/>
           </a:p>
@@ -895,7 +897,7 @@
           <a:p>
             <a:fld id="{4126B7EB-CDFF-43F4-8A4E-AA91997CA0D6}" type="datetimeFigureOut">
               <a:rPr lang="es-PE" smtClean="0"/>
-              <a:t>11/03/2025</a:t>
+              <a:t>21/03/2025</a:t>
             </a:fld>
             <a:endParaRPr lang="es-PE"/>
           </a:p>
@@ -1171,7 +1173,7 @@
           <a:p>
             <a:fld id="{4126B7EB-CDFF-43F4-8A4E-AA91997CA0D6}" type="datetimeFigureOut">
               <a:rPr lang="es-PE" smtClean="0"/>
-              <a:t>11/03/2025</a:t>
+              <a:t>21/03/2025</a:t>
             </a:fld>
             <a:endParaRPr lang="es-PE"/>
           </a:p>
@@ -1439,7 +1441,7 @@
           <a:p>
             <a:fld id="{4126B7EB-CDFF-43F4-8A4E-AA91997CA0D6}" type="datetimeFigureOut">
               <a:rPr lang="es-PE" smtClean="0"/>
-              <a:t>11/03/2025</a:t>
+              <a:t>21/03/2025</a:t>
             </a:fld>
             <a:endParaRPr lang="es-PE"/>
           </a:p>
@@ -1854,7 +1856,7 @@
           <a:p>
             <a:fld id="{4126B7EB-CDFF-43F4-8A4E-AA91997CA0D6}" type="datetimeFigureOut">
               <a:rPr lang="es-PE" smtClean="0"/>
-              <a:t>11/03/2025</a:t>
+              <a:t>21/03/2025</a:t>
             </a:fld>
             <a:endParaRPr lang="es-PE"/>
           </a:p>
@@ -1996,7 +1998,7 @@
           <a:p>
             <a:fld id="{4126B7EB-CDFF-43F4-8A4E-AA91997CA0D6}" type="datetimeFigureOut">
               <a:rPr lang="es-PE" smtClean="0"/>
-              <a:t>11/03/2025</a:t>
+              <a:t>21/03/2025</a:t>
             </a:fld>
             <a:endParaRPr lang="es-PE"/>
           </a:p>
@@ -2109,7 +2111,7 @@
           <a:p>
             <a:fld id="{4126B7EB-CDFF-43F4-8A4E-AA91997CA0D6}" type="datetimeFigureOut">
               <a:rPr lang="es-PE" smtClean="0"/>
-              <a:t>11/03/2025</a:t>
+              <a:t>21/03/2025</a:t>
             </a:fld>
             <a:endParaRPr lang="es-PE"/>
           </a:p>
@@ -2422,7 +2424,7 @@
           <a:p>
             <a:fld id="{4126B7EB-CDFF-43F4-8A4E-AA91997CA0D6}" type="datetimeFigureOut">
               <a:rPr lang="es-PE" smtClean="0"/>
-              <a:t>11/03/2025</a:t>
+              <a:t>21/03/2025</a:t>
             </a:fld>
             <a:endParaRPr lang="es-PE"/>
           </a:p>
@@ -2711,7 +2713,7 @@
           <a:p>
             <a:fld id="{4126B7EB-CDFF-43F4-8A4E-AA91997CA0D6}" type="datetimeFigureOut">
               <a:rPr lang="es-PE" smtClean="0"/>
-              <a:t>11/03/2025</a:t>
+              <a:t>21/03/2025</a:t>
             </a:fld>
             <a:endParaRPr lang="es-PE"/>
           </a:p>
@@ -2954,7 +2956,7 @@
           <a:p>
             <a:fld id="{4126B7EB-CDFF-43F4-8A4E-AA91997CA0D6}" type="datetimeFigureOut">
               <a:rPr lang="es-PE" smtClean="0"/>
-              <a:t>11/03/2025</a:t>
+              <a:t>21/03/2025</a:t>
             </a:fld>
             <a:endParaRPr lang="es-PE"/>
           </a:p>
@@ -3376,7 +3378,7 @@
           <p:cNvPr id="5" name="Picture 4">
             <a:extLst>
               <a:ext uri="{FF2B5EF4-FFF2-40B4-BE49-F238E27FC236}">
-                <a16:creationId xmlns:a16="http://schemas.microsoft.com/office/drawing/2014/main" id="{82AC940A-75EF-3A48-23D0-E818EFFE8A79}"/>
+                <a16:creationId xmlns:a16="http://schemas.microsoft.com/office/drawing/2014/main" id="{98E0A56B-4EC5-571A-8D97-6540CB9ACE14}"/>
               </a:ext>
             </a:extLst>
           </p:cNvPr>
@@ -3393,8 +3395,8 @@
         </p:blipFill>
         <p:spPr>
           <a:xfrm>
-            <a:off x="730230" y="298938"/>
-            <a:ext cx="10731540" cy="3851031"/>
+            <a:off x="284480" y="1341149"/>
+            <a:ext cx="5664200" cy="4175701"/>
           </a:xfrm>
           <a:prstGeom prst="rect">
             <a:avLst/>
@@ -3406,7 +3408,7 @@
           <p:cNvPr id="7" name="Picture 6">
             <a:extLst>
               <a:ext uri="{FF2B5EF4-FFF2-40B4-BE49-F238E27FC236}">
-                <a16:creationId xmlns:a16="http://schemas.microsoft.com/office/drawing/2014/main" id="{8901576D-9D10-B559-3F5F-291D05E50A0D}"/>
+                <a16:creationId xmlns:a16="http://schemas.microsoft.com/office/drawing/2014/main" id="{99474280-3DB7-1605-550E-A3900BE13BCC}"/>
               </a:ext>
             </a:extLst>
           </p:cNvPr>
@@ -3423,8 +3425,8 @@
         </p:blipFill>
         <p:spPr>
           <a:xfrm>
-            <a:off x="4204188" y="3866416"/>
-            <a:ext cx="4152020" cy="1004521"/>
+            <a:off x="6096000" y="528319"/>
+            <a:ext cx="6033032" cy="3885905"/>
           </a:xfrm>
           <a:prstGeom prst="rect">
             <a:avLst/>
@@ -3436,7 +3438,7 @@
           <p:cNvPr id="9" name="Picture 8">
             <a:extLst>
               <a:ext uri="{FF2B5EF4-FFF2-40B4-BE49-F238E27FC236}">
-                <a16:creationId xmlns:a16="http://schemas.microsoft.com/office/drawing/2014/main" id="{3B3C294E-7DB3-AB5E-1DFC-B721F39A22DE}"/>
+                <a16:creationId xmlns:a16="http://schemas.microsoft.com/office/drawing/2014/main" id="{DEBDB378-8821-50C0-9679-4FBD35BDC6BB}"/>
               </a:ext>
             </a:extLst>
           </p:cNvPr>
@@ -3453,18 +3455,74 @@
         </p:blipFill>
         <p:spPr>
           <a:xfrm>
-            <a:off x="970592" y="5554542"/>
-            <a:ext cx="10619211" cy="1004520"/>
+            <a:off x="6243322" y="4783158"/>
+            <a:ext cx="4930635" cy="1294130"/>
           </a:xfrm>
           <a:prstGeom prst="rect">
             <a:avLst/>
           </a:prstGeom>
         </p:spPr>
       </p:pic>
+      <p:sp>
+        <p:nvSpPr>
+          <p:cNvPr id="10" name="Title 1">
+            <a:extLst>
+              <a:ext uri="{FF2B5EF4-FFF2-40B4-BE49-F238E27FC236}">
+                <a16:creationId xmlns:a16="http://schemas.microsoft.com/office/drawing/2014/main" id="{7F53E805-F84B-D9D8-BDC2-6C54C6C1F5E9}"/>
+              </a:ext>
+            </a:extLst>
+          </p:cNvPr>
+          <p:cNvSpPr txBox="1">
+            <a:spLocks/>
+          </p:cNvSpPr>
+          <p:nvPr/>
+        </p:nvSpPr>
+        <p:spPr>
+          <a:xfrm>
+            <a:off x="-2473960" y="40640"/>
+            <a:ext cx="10515600" cy="975359"/>
+          </a:xfrm>
+          <a:prstGeom prst="rect">
+            <a:avLst/>
+          </a:prstGeom>
+        </p:spPr>
+        <p:txBody>
+          <a:bodyPr vert="horz" lIns="91440" tIns="45720" rIns="91440" bIns="45720" rtlCol="0" anchor="ctr">
+            <a:normAutofit/>
+          </a:bodyPr>
+          <a:lstStyle>
+            <a:lvl1pPr algn="l" defTabSz="914400" rtl="0" eaLnBrk="1" latinLnBrk="0" hangingPunct="1">
+              <a:lnSpc>
+                <a:spcPct val="90000"/>
+              </a:lnSpc>
+              <a:spcBef>
+                <a:spcPct val="0"/>
+              </a:spcBef>
+              <a:buNone/>
+              <a:defRPr sz="4400" kern="1200">
+                <a:solidFill>
+                  <a:schemeClr val="tx1"/>
+                </a:solidFill>
+                <a:latin typeface="+mj-lt"/>
+                <a:ea typeface="+mj-ea"/>
+                <a:cs typeface="+mj-cs"/>
+              </a:defRPr>
+            </a:lvl1pPr>
+          </a:lstStyle>
+          <a:p>
+            <a:pPr algn="ctr"/>
+            <a:r>
+              <a:rPr lang="es-MX"/>
+              <a:t>La razón según la RAE</a:t>
+            </a:r>
+            <a:endParaRPr lang="es-PE" dirty="0"/>
+          </a:p>
+        </p:txBody>
+      </p:sp>
     </p:spTree>
     <p:extLst>
       <p:ext uri="{BB962C8B-B14F-4D97-AF65-F5344CB8AC3E}">
-        <p14:creationId xmlns:p14="http://schemas.microsoft.com/office/powerpoint/2010/main" val="2917806741"/>
+        <p14:creationId xmlns:p14="http://schemas.microsoft.com/office/powerpoint/2010/main" val="2512568179"/>
       </p:ext>
     </p:extLst>
   </p:cSld>
@@ -3475,6 +3533,1564 @@
 </file>
 
 <file path=ppt/slides/slide10.xml><?xml version="1.0" encoding="utf-8"?>
+<p:sld xmlns:a="http://schemas.openxmlformats.org/drawingml/2006/main" xmlns:r="http://schemas.openxmlformats.org/officeDocument/2006/relationships" xmlns:p="http://schemas.openxmlformats.org/presentationml/2006/main">
+  <p:cSld>
+    <p:spTree>
+      <p:nvGrpSpPr>
+        <p:cNvPr id="1" name="">
+          <a:extLst>
+            <a:ext uri="{FF2B5EF4-FFF2-40B4-BE49-F238E27FC236}">
+              <a16:creationId xmlns:a16="http://schemas.microsoft.com/office/drawing/2014/main" id="{6AB7DA6E-A75B-70E2-CB79-FAB5C3302D3E}"/>
+            </a:ext>
+          </a:extLst>
+        </p:cNvPr>
+        <p:cNvGrpSpPr/>
+        <p:nvPr/>
+      </p:nvGrpSpPr>
+      <p:grpSpPr>
+        <a:xfrm>
+          <a:off x="0" y="0"/>
+          <a:ext cx="0" cy="0"/>
+          <a:chOff x="0" y="0"/>
+          <a:chExt cx="0" cy="0"/>
+        </a:xfrm>
+      </p:grpSpPr>
+      <p:pic>
+        <p:nvPicPr>
+          <p:cNvPr id="3" name="Picture 2">
+            <a:extLst>
+              <a:ext uri="{FF2B5EF4-FFF2-40B4-BE49-F238E27FC236}">
+                <a16:creationId xmlns:a16="http://schemas.microsoft.com/office/drawing/2014/main" id="{3D2AEA0A-371D-04E5-558F-F2C71C1B1EE0}"/>
+              </a:ext>
+            </a:extLst>
+          </p:cNvPr>
+          <p:cNvPicPr>
+            <a:picLocks noChangeAspect="1"/>
+          </p:cNvPicPr>
+          <p:nvPr/>
+        </p:nvPicPr>
+        <p:blipFill>
+          <a:blip r:embed="rId2"/>
+          <a:stretch>
+            <a:fillRect/>
+          </a:stretch>
+        </p:blipFill>
+        <p:spPr>
+          <a:xfrm>
+            <a:off x="2934615" y="0"/>
+            <a:ext cx="6322769" cy="6763892"/>
+          </a:xfrm>
+          <a:prstGeom prst="rect">
+            <a:avLst/>
+          </a:prstGeom>
+        </p:spPr>
+      </p:pic>
+      <p:cxnSp>
+        <p:nvCxnSpPr>
+          <p:cNvPr id="2" name="Straight Connector 1">
+            <a:extLst>
+              <a:ext uri="{FF2B5EF4-FFF2-40B4-BE49-F238E27FC236}">
+                <a16:creationId xmlns:a16="http://schemas.microsoft.com/office/drawing/2014/main" id="{051ED06B-FD03-7852-9BE2-F7BDA57490F7}"/>
+              </a:ext>
+            </a:extLst>
+          </p:cNvPr>
+          <p:cNvCxnSpPr>
+            <a:cxnSpLocks/>
+          </p:cNvCxnSpPr>
+          <p:nvPr/>
+        </p:nvCxnSpPr>
+        <p:spPr>
+          <a:xfrm>
+            <a:off x="5023155" y="971183"/>
+            <a:ext cx="4032922" cy="0"/>
+          </a:xfrm>
+          <a:prstGeom prst="line">
+            <a:avLst/>
+          </a:prstGeom>
+          <a:ln w="57150">
+            <a:solidFill>
+              <a:srgbClr val="FF0000"/>
+            </a:solidFill>
+          </a:ln>
+        </p:spPr>
+        <p:style>
+          <a:lnRef idx="1">
+            <a:schemeClr val="accent1"/>
+          </a:lnRef>
+          <a:fillRef idx="0">
+            <a:schemeClr val="accent1"/>
+          </a:fillRef>
+          <a:effectRef idx="0">
+            <a:schemeClr val="accent1"/>
+          </a:effectRef>
+          <a:fontRef idx="minor">
+            <a:schemeClr val="tx1"/>
+          </a:fontRef>
+        </p:style>
+      </p:cxnSp>
+      <p:cxnSp>
+        <p:nvCxnSpPr>
+          <p:cNvPr id="5" name="Straight Connector 4">
+            <a:extLst>
+              <a:ext uri="{FF2B5EF4-FFF2-40B4-BE49-F238E27FC236}">
+                <a16:creationId xmlns:a16="http://schemas.microsoft.com/office/drawing/2014/main" id="{6B899338-A6EE-AD59-D637-69794A1CC827}"/>
+              </a:ext>
+            </a:extLst>
+          </p:cNvPr>
+          <p:cNvCxnSpPr>
+            <a:cxnSpLocks/>
+          </p:cNvCxnSpPr>
+          <p:nvPr/>
+        </p:nvCxnSpPr>
+        <p:spPr>
+          <a:xfrm>
+            <a:off x="3188493" y="1422522"/>
+            <a:ext cx="5867584" cy="0"/>
+          </a:xfrm>
+          <a:prstGeom prst="line">
+            <a:avLst/>
+          </a:prstGeom>
+          <a:ln w="57150">
+            <a:solidFill>
+              <a:srgbClr val="FF0000"/>
+            </a:solidFill>
+          </a:ln>
+        </p:spPr>
+        <p:style>
+          <a:lnRef idx="1">
+            <a:schemeClr val="accent1"/>
+          </a:lnRef>
+          <a:fillRef idx="0">
+            <a:schemeClr val="accent1"/>
+          </a:fillRef>
+          <a:effectRef idx="0">
+            <a:schemeClr val="accent1"/>
+          </a:effectRef>
+          <a:fontRef idx="minor">
+            <a:schemeClr val="tx1"/>
+          </a:fontRef>
+        </p:style>
+      </p:cxnSp>
+      <p:cxnSp>
+        <p:nvCxnSpPr>
+          <p:cNvPr id="7" name="Straight Connector 6">
+            <a:extLst>
+              <a:ext uri="{FF2B5EF4-FFF2-40B4-BE49-F238E27FC236}">
+                <a16:creationId xmlns:a16="http://schemas.microsoft.com/office/drawing/2014/main" id="{2653C83E-D001-16CA-530D-AB1EEBC055BB}"/>
+              </a:ext>
+            </a:extLst>
+          </p:cNvPr>
+          <p:cNvCxnSpPr>
+            <a:cxnSpLocks/>
+          </p:cNvCxnSpPr>
+          <p:nvPr/>
+        </p:nvCxnSpPr>
+        <p:spPr>
+          <a:xfrm>
+            <a:off x="3162208" y="1909030"/>
+            <a:ext cx="1128438" cy="0"/>
+          </a:xfrm>
+          <a:prstGeom prst="line">
+            <a:avLst/>
+          </a:prstGeom>
+          <a:ln w="57150">
+            <a:solidFill>
+              <a:srgbClr val="FF0000"/>
+            </a:solidFill>
+          </a:ln>
+        </p:spPr>
+        <p:style>
+          <a:lnRef idx="1">
+            <a:schemeClr val="accent1"/>
+          </a:lnRef>
+          <a:fillRef idx="0">
+            <a:schemeClr val="accent1"/>
+          </a:fillRef>
+          <a:effectRef idx="0">
+            <a:schemeClr val="accent1"/>
+          </a:effectRef>
+          <a:fontRef idx="minor">
+            <a:schemeClr val="tx1"/>
+          </a:fontRef>
+        </p:style>
+      </p:cxnSp>
+      <p:cxnSp>
+        <p:nvCxnSpPr>
+          <p:cNvPr id="9" name="Straight Connector 8">
+            <a:extLst>
+              <a:ext uri="{FF2B5EF4-FFF2-40B4-BE49-F238E27FC236}">
+                <a16:creationId xmlns:a16="http://schemas.microsoft.com/office/drawing/2014/main" id="{B9402B80-6129-AF98-FBE4-B59249035E7A}"/>
+              </a:ext>
+            </a:extLst>
+          </p:cNvPr>
+          <p:cNvCxnSpPr>
+            <a:cxnSpLocks/>
+          </p:cNvCxnSpPr>
+          <p:nvPr/>
+        </p:nvCxnSpPr>
+        <p:spPr>
+          <a:xfrm>
+            <a:off x="5275200" y="2805845"/>
+            <a:ext cx="2778553" cy="0"/>
+          </a:xfrm>
+          <a:prstGeom prst="line">
+            <a:avLst/>
+          </a:prstGeom>
+          <a:ln w="57150">
+            <a:solidFill>
+              <a:srgbClr val="FF0000"/>
+            </a:solidFill>
+          </a:ln>
+        </p:spPr>
+        <p:style>
+          <a:lnRef idx="1">
+            <a:schemeClr val="accent1"/>
+          </a:lnRef>
+          <a:fillRef idx="0">
+            <a:schemeClr val="accent1"/>
+          </a:fillRef>
+          <a:effectRef idx="0">
+            <a:schemeClr val="accent1"/>
+          </a:effectRef>
+          <a:fontRef idx="minor">
+            <a:schemeClr val="tx1"/>
+          </a:fontRef>
+        </p:style>
+      </p:cxnSp>
+      <p:cxnSp>
+        <p:nvCxnSpPr>
+          <p:cNvPr id="11" name="Straight Connector 10">
+            <a:extLst>
+              <a:ext uri="{FF2B5EF4-FFF2-40B4-BE49-F238E27FC236}">
+                <a16:creationId xmlns:a16="http://schemas.microsoft.com/office/drawing/2014/main" id="{0EB18D25-0D79-FCF4-B9DC-F020CC012A52}"/>
+              </a:ext>
+            </a:extLst>
+          </p:cNvPr>
+          <p:cNvCxnSpPr>
+            <a:cxnSpLocks/>
+          </p:cNvCxnSpPr>
+          <p:nvPr/>
+        </p:nvCxnSpPr>
+        <p:spPr>
+          <a:xfrm>
+            <a:off x="7754815" y="3263045"/>
+            <a:ext cx="1301262" cy="0"/>
+          </a:xfrm>
+          <a:prstGeom prst="line">
+            <a:avLst/>
+          </a:prstGeom>
+          <a:ln w="57150">
+            <a:solidFill>
+              <a:srgbClr val="FF0000"/>
+            </a:solidFill>
+          </a:ln>
+        </p:spPr>
+        <p:style>
+          <a:lnRef idx="1">
+            <a:schemeClr val="accent1"/>
+          </a:lnRef>
+          <a:fillRef idx="0">
+            <a:schemeClr val="accent1"/>
+          </a:fillRef>
+          <a:effectRef idx="0">
+            <a:schemeClr val="accent1"/>
+          </a:effectRef>
+          <a:fontRef idx="minor">
+            <a:schemeClr val="tx1"/>
+          </a:fontRef>
+        </p:style>
+      </p:cxnSp>
+      <p:cxnSp>
+        <p:nvCxnSpPr>
+          <p:cNvPr id="13" name="Straight Connector 12">
+            <a:extLst>
+              <a:ext uri="{FF2B5EF4-FFF2-40B4-BE49-F238E27FC236}">
+                <a16:creationId xmlns:a16="http://schemas.microsoft.com/office/drawing/2014/main" id="{62663699-9BC0-57D4-56BB-5343D2096F12}"/>
+              </a:ext>
+            </a:extLst>
+          </p:cNvPr>
+          <p:cNvCxnSpPr>
+            <a:cxnSpLocks/>
+          </p:cNvCxnSpPr>
+          <p:nvPr/>
+        </p:nvCxnSpPr>
+        <p:spPr>
+          <a:xfrm>
+            <a:off x="3162208" y="3772999"/>
+            <a:ext cx="2236269" cy="0"/>
+          </a:xfrm>
+          <a:prstGeom prst="line">
+            <a:avLst/>
+          </a:prstGeom>
+          <a:ln w="57150">
+            <a:solidFill>
+              <a:srgbClr val="FF0000"/>
+            </a:solidFill>
+          </a:ln>
+        </p:spPr>
+        <p:style>
+          <a:lnRef idx="1">
+            <a:schemeClr val="accent1"/>
+          </a:lnRef>
+          <a:fillRef idx="0">
+            <a:schemeClr val="accent1"/>
+          </a:fillRef>
+          <a:effectRef idx="0">
+            <a:schemeClr val="accent1"/>
+          </a:effectRef>
+          <a:fontRef idx="minor">
+            <a:schemeClr val="tx1"/>
+          </a:fontRef>
+        </p:style>
+      </p:cxnSp>
+      <p:cxnSp>
+        <p:nvCxnSpPr>
+          <p:cNvPr id="15" name="Straight Connector 14">
+            <a:extLst>
+              <a:ext uri="{FF2B5EF4-FFF2-40B4-BE49-F238E27FC236}">
+                <a16:creationId xmlns:a16="http://schemas.microsoft.com/office/drawing/2014/main" id="{37743C29-B34B-27D4-0BF6-520F16F36CFA}"/>
+              </a:ext>
+            </a:extLst>
+          </p:cNvPr>
+          <p:cNvCxnSpPr>
+            <a:cxnSpLocks/>
+          </p:cNvCxnSpPr>
+          <p:nvPr/>
+        </p:nvCxnSpPr>
+        <p:spPr>
+          <a:xfrm>
+            <a:off x="6260123" y="3772999"/>
+            <a:ext cx="2795954" cy="0"/>
+          </a:xfrm>
+          <a:prstGeom prst="line">
+            <a:avLst/>
+          </a:prstGeom>
+          <a:ln w="57150">
+            <a:solidFill>
+              <a:srgbClr val="FF0000"/>
+            </a:solidFill>
+          </a:ln>
+        </p:spPr>
+        <p:style>
+          <a:lnRef idx="1">
+            <a:schemeClr val="accent1"/>
+          </a:lnRef>
+          <a:fillRef idx="0">
+            <a:schemeClr val="accent1"/>
+          </a:fillRef>
+          <a:effectRef idx="0">
+            <a:schemeClr val="accent1"/>
+          </a:effectRef>
+          <a:fontRef idx="minor">
+            <a:schemeClr val="tx1"/>
+          </a:fontRef>
+        </p:style>
+      </p:cxnSp>
+      <p:cxnSp>
+        <p:nvCxnSpPr>
+          <p:cNvPr id="17" name="Straight Connector 16">
+            <a:extLst>
+              <a:ext uri="{FF2B5EF4-FFF2-40B4-BE49-F238E27FC236}">
+                <a16:creationId xmlns:a16="http://schemas.microsoft.com/office/drawing/2014/main" id="{963CEF75-52D9-461E-261C-CD1BD2DE2995}"/>
+              </a:ext>
+            </a:extLst>
+          </p:cNvPr>
+          <p:cNvCxnSpPr>
+            <a:cxnSpLocks/>
+          </p:cNvCxnSpPr>
+          <p:nvPr/>
+        </p:nvCxnSpPr>
+        <p:spPr>
+          <a:xfrm>
+            <a:off x="5398477" y="4241922"/>
+            <a:ext cx="3657600" cy="0"/>
+          </a:xfrm>
+          <a:prstGeom prst="line">
+            <a:avLst/>
+          </a:prstGeom>
+          <a:ln w="57150">
+            <a:solidFill>
+              <a:srgbClr val="FF0000"/>
+            </a:solidFill>
+          </a:ln>
+        </p:spPr>
+        <p:style>
+          <a:lnRef idx="1">
+            <a:schemeClr val="accent1"/>
+          </a:lnRef>
+          <a:fillRef idx="0">
+            <a:schemeClr val="accent1"/>
+          </a:fillRef>
+          <a:effectRef idx="0">
+            <a:schemeClr val="accent1"/>
+          </a:effectRef>
+          <a:fontRef idx="minor">
+            <a:schemeClr val="tx1"/>
+          </a:fontRef>
+        </p:style>
+      </p:cxnSp>
+      <p:cxnSp>
+        <p:nvCxnSpPr>
+          <p:cNvPr id="19" name="Straight Connector 18">
+            <a:extLst>
+              <a:ext uri="{FF2B5EF4-FFF2-40B4-BE49-F238E27FC236}">
+                <a16:creationId xmlns:a16="http://schemas.microsoft.com/office/drawing/2014/main" id="{8461F83E-D271-EF23-D253-D5F2D0394E8E}"/>
+              </a:ext>
+            </a:extLst>
+          </p:cNvPr>
+          <p:cNvCxnSpPr>
+            <a:cxnSpLocks/>
+          </p:cNvCxnSpPr>
+          <p:nvPr/>
+        </p:nvCxnSpPr>
+        <p:spPr>
+          <a:xfrm>
+            <a:off x="3162208" y="4658092"/>
+            <a:ext cx="3256177" cy="0"/>
+          </a:xfrm>
+          <a:prstGeom prst="line">
+            <a:avLst/>
+          </a:prstGeom>
+          <a:ln w="57150">
+            <a:solidFill>
+              <a:srgbClr val="FF0000"/>
+            </a:solidFill>
+          </a:ln>
+        </p:spPr>
+        <p:style>
+          <a:lnRef idx="1">
+            <a:schemeClr val="accent1"/>
+          </a:lnRef>
+          <a:fillRef idx="0">
+            <a:schemeClr val="accent1"/>
+          </a:fillRef>
+          <a:effectRef idx="0">
+            <a:schemeClr val="accent1"/>
+          </a:effectRef>
+          <a:fontRef idx="minor">
+            <a:schemeClr val="tx1"/>
+          </a:fontRef>
+        </p:style>
+      </p:cxnSp>
+      <p:cxnSp>
+        <p:nvCxnSpPr>
+          <p:cNvPr id="21" name="Straight Connector 20">
+            <a:extLst>
+              <a:ext uri="{FF2B5EF4-FFF2-40B4-BE49-F238E27FC236}">
+                <a16:creationId xmlns:a16="http://schemas.microsoft.com/office/drawing/2014/main" id="{7F4EE096-B47A-D2F5-4C51-515D749C0619}"/>
+              </a:ext>
+            </a:extLst>
+          </p:cNvPr>
+          <p:cNvCxnSpPr>
+            <a:cxnSpLocks/>
+          </p:cNvCxnSpPr>
+          <p:nvPr/>
+        </p:nvCxnSpPr>
+        <p:spPr>
+          <a:xfrm>
+            <a:off x="6711461" y="4673845"/>
+            <a:ext cx="2344616" cy="0"/>
+          </a:xfrm>
+          <a:prstGeom prst="line">
+            <a:avLst/>
+          </a:prstGeom>
+          <a:ln w="57150">
+            <a:solidFill>
+              <a:srgbClr val="FF0000"/>
+            </a:solidFill>
+          </a:ln>
+        </p:spPr>
+        <p:style>
+          <a:lnRef idx="1">
+            <a:schemeClr val="accent1"/>
+          </a:lnRef>
+          <a:fillRef idx="0">
+            <a:schemeClr val="accent1"/>
+          </a:fillRef>
+          <a:effectRef idx="0">
+            <a:schemeClr val="accent1"/>
+          </a:effectRef>
+          <a:fontRef idx="minor">
+            <a:schemeClr val="tx1"/>
+          </a:fontRef>
+        </p:style>
+      </p:cxnSp>
+      <p:cxnSp>
+        <p:nvCxnSpPr>
+          <p:cNvPr id="23" name="Straight Connector 22">
+            <a:extLst>
+              <a:ext uri="{FF2B5EF4-FFF2-40B4-BE49-F238E27FC236}">
+                <a16:creationId xmlns:a16="http://schemas.microsoft.com/office/drawing/2014/main" id="{F865F882-54DC-4070-4AED-2DA5D9593F13}"/>
+              </a:ext>
+            </a:extLst>
+          </p:cNvPr>
+          <p:cNvCxnSpPr>
+            <a:cxnSpLocks/>
+          </p:cNvCxnSpPr>
+          <p:nvPr/>
+        </p:nvCxnSpPr>
+        <p:spPr>
+          <a:xfrm>
+            <a:off x="3162208" y="5168046"/>
+            <a:ext cx="5770777" cy="0"/>
+          </a:xfrm>
+          <a:prstGeom prst="line">
+            <a:avLst/>
+          </a:prstGeom>
+          <a:ln w="57150">
+            <a:solidFill>
+              <a:srgbClr val="FF0000"/>
+            </a:solidFill>
+          </a:ln>
+        </p:spPr>
+        <p:style>
+          <a:lnRef idx="1">
+            <a:schemeClr val="accent1"/>
+          </a:lnRef>
+          <a:fillRef idx="0">
+            <a:schemeClr val="accent1"/>
+          </a:fillRef>
+          <a:effectRef idx="0">
+            <a:schemeClr val="accent1"/>
+          </a:effectRef>
+          <a:fontRef idx="minor">
+            <a:schemeClr val="tx1"/>
+          </a:fontRef>
+        </p:style>
+      </p:cxnSp>
+      <p:cxnSp>
+        <p:nvCxnSpPr>
+          <p:cNvPr id="25" name="Straight Connector 24">
+            <a:extLst>
+              <a:ext uri="{FF2B5EF4-FFF2-40B4-BE49-F238E27FC236}">
+                <a16:creationId xmlns:a16="http://schemas.microsoft.com/office/drawing/2014/main" id="{B08B4447-4F68-DBC5-9814-419A5DBCC46E}"/>
+              </a:ext>
+            </a:extLst>
+          </p:cNvPr>
+          <p:cNvCxnSpPr>
+            <a:cxnSpLocks/>
+          </p:cNvCxnSpPr>
+          <p:nvPr/>
+        </p:nvCxnSpPr>
+        <p:spPr>
+          <a:xfrm>
+            <a:off x="3162208" y="5636969"/>
+            <a:ext cx="4495892" cy="0"/>
+          </a:xfrm>
+          <a:prstGeom prst="line">
+            <a:avLst/>
+          </a:prstGeom>
+          <a:ln w="57150">
+            <a:solidFill>
+              <a:srgbClr val="FF0000"/>
+            </a:solidFill>
+          </a:ln>
+        </p:spPr>
+        <p:style>
+          <a:lnRef idx="1">
+            <a:schemeClr val="accent1"/>
+          </a:lnRef>
+          <a:fillRef idx="0">
+            <a:schemeClr val="accent1"/>
+          </a:fillRef>
+          <a:effectRef idx="0">
+            <a:schemeClr val="accent1"/>
+          </a:effectRef>
+          <a:fontRef idx="minor">
+            <a:schemeClr val="tx1"/>
+          </a:fontRef>
+        </p:style>
+      </p:cxnSp>
+      <p:sp>
+        <p:nvSpPr>
+          <p:cNvPr id="27" name="Rectangle 26">
+            <a:extLst>
+              <a:ext uri="{FF2B5EF4-FFF2-40B4-BE49-F238E27FC236}">
+                <a16:creationId xmlns:a16="http://schemas.microsoft.com/office/drawing/2014/main" id="{1488A286-B13F-67C3-B833-C6A3025B500E}"/>
+              </a:ext>
+            </a:extLst>
+          </p:cNvPr>
+          <p:cNvSpPr/>
+          <p:nvPr/>
+        </p:nvSpPr>
+        <p:spPr>
+          <a:xfrm>
+            <a:off x="3162208" y="3355324"/>
+            <a:ext cx="2236269" cy="470421"/>
+          </a:xfrm>
+          <a:prstGeom prst="rect">
+            <a:avLst/>
+          </a:prstGeom>
+          <a:noFill/>
+          <a:ln w="76200">
+            <a:solidFill>
+              <a:srgbClr val="FF0000"/>
+            </a:solidFill>
+          </a:ln>
+        </p:spPr>
+        <p:style>
+          <a:lnRef idx="2">
+            <a:schemeClr val="accent1">
+              <a:shade val="15000"/>
+            </a:schemeClr>
+          </a:lnRef>
+          <a:fillRef idx="1">
+            <a:schemeClr val="accent1"/>
+          </a:fillRef>
+          <a:effectRef idx="0">
+            <a:schemeClr val="accent1"/>
+          </a:effectRef>
+          <a:fontRef idx="minor">
+            <a:schemeClr val="lt1"/>
+          </a:fontRef>
+        </p:style>
+        <p:txBody>
+          <a:bodyPr rtlCol="0" anchor="ctr"/>
+          <a:lstStyle/>
+          <a:p>
+            <a:pPr algn="ctr"/>
+            <a:endParaRPr lang="es-PE"/>
+          </a:p>
+        </p:txBody>
+      </p:sp>
+      <p:sp>
+        <p:nvSpPr>
+          <p:cNvPr id="28" name="Rectangle 27">
+            <a:extLst>
+              <a:ext uri="{FF2B5EF4-FFF2-40B4-BE49-F238E27FC236}">
+                <a16:creationId xmlns:a16="http://schemas.microsoft.com/office/drawing/2014/main" id="{4EB26C24-2387-BBCF-E2C6-BDB2E5E741EC}"/>
+              </a:ext>
+            </a:extLst>
+          </p:cNvPr>
+          <p:cNvSpPr/>
+          <p:nvPr/>
+        </p:nvSpPr>
+        <p:spPr>
+          <a:xfrm>
+            <a:off x="4554415" y="4267200"/>
+            <a:ext cx="2042654" cy="449164"/>
+          </a:xfrm>
+          <a:prstGeom prst="rect">
+            <a:avLst/>
+          </a:prstGeom>
+          <a:noFill/>
+          <a:ln w="76200">
+            <a:solidFill>
+              <a:srgbClr val="FF0000"/>
+            </a:solidFill>
+          </a:ln>
+        </p:spPr>
+        <p:style>
+          <a:lnRef idx="2">
+            <a:schemeClr val="accent1">
+              <a:shade val="15000"/>
+            </a:schemeClr>
+          </a:lnRef>
+          <a:fillRef idx="1">
+            <a:schemeClr val="accent1"/>
+          </a:fillRef>
+          <a:effectRef idx="0">
+            <a:schemeClr val="accent1"/>
+          </a:effectRef>
+          <a:fontRef idx="minor">
+            <a:schemeClr val="lt1"/>
+          </a:fontRef>
+        </p:style>
+        <p:txBody>
+          <a:bodyPr rtlCol="0" anchor="ctr"/>
+          <a:lstStyle/>
+          <a:p>
+            <a:pPr algn="ctr"/>
+            <a:endParaRPr lang="es-PE"/>
+          </a:p>
+        </p:txBody>
+      </p:sp>
+      <p:sp>
+        <p:nvSpPr>
+          <p:cNvPr id="29" name="Rectangle 28">
+            <a:extLst>
+              <a:ext uri="{FF2B5EF4-FFF2-40B4-BE49-F238E27FC236}">
+                <a16:creationId xmlns:a16="http://schemas.microsoft.com/office/drawing/2014/main" id="{A0988C6D-712B-EDF1-B82C-0CA6D6B53A5C}"/>
+              </a:ext>
+            </a:extLst>
+          </p:cNvPr>
+          <p:cNvSpPr/>
+          <p:nvPr/>
+        </p:nvSpPr>
+        <p:spPr>
+          <a:xfrm>
+            <a:off x="6664476" y="4282953"/>
+            <a:ext cx="1373709" cy="449164"/>
+          </a:xfrm>
+          <a:prstGeom prst="rect">
+            <a:avLst/>
+          </a:prstGeom>
+          <a:noFill/>
+          <a:ln w="76200">
+            <a:solidFill>
+              <a:srgbClr val="FF0000"/>
+            </a:solidFill>
+          </a:ln>
+        </p:spPr>
+        <p:style>
+          <a:lnRef idx="2">
+            <a:schemeClr val="accent1">
+              <a:shade val="15000"/>
+            </a:schemeClr>
+          </a:lnRef>
+          <a:fillRef idx="1">
+            <a:schemeClr val="accent1"/>
+          </a:fillRef>
+          <a:effectRef idx="0">
+            <a:schemeClr val="accent1"/>
+          </a:effectRef>
+          <a:fontRef idx="minor">
+            <a:schemeClr val="lt1"/>
+          </a:fontRef>
+        </p:style>
+        <p:txBody>
+          <a:bodyPr rtlCol="0" anchor="ctr"/>
+          <a:lstStyle/>
+          <a:p>
+            <a:pPr algn="ctr"/>
+            <a:endParaRPr lang="es-PE"/>
+          </a:p>
+        </p:txBody>
+      </p:sp>
+      <p:sp>
+        <p:nvSpPr>
+          <p:cNvPr id="30" name="Rectangle 29">
+            <a:extLst>
+              <a:ext uri="{FF2B5EF4-FFF2-40B4-BE49-F238E27FC236}">
+                <a16:creationId xmlns:a16="http://schemas.microsoft.com/office/drawing/2014/main" id="{CCD98B90-F379-8C90-6AB3-6198431F0429}"/>
+              </a:ext>
+            </a:extLst>
+          </p:cNvPr>
+          <p:cNvSpPr/>
+          <p:nvPr/>
+        </p:nvSpPr>
+        <p:spPr>
+          <a:xfrm>
+            <a:off x="3367500" y="5228835"/>
+            <a:ext cx="4290600" cy="449164"/>
+          </a:xfrm>
+          <a:prstGeom prst="rect">
+            <a:avLst/>
+          </a:prstGeom>
+          <a:noFill/>
+          <a:ln w="76200">
+            <a:solidFill>
+              <a:srgbClr val="FF0000"/>
+            </a:solidFill>
+          </a:ln>
+        </p:spPr>
+        <p:style>
+          <a:lnRef idx="2">
+            <a:schemeClr val="accent1">
+              <a:shade val="15000"/>
+            </a:schemeClr>
+          </a:lnRef>
+          <a:fillRef idx="1">
+            <a:schemeClr val="accent1"/>
+          </a:fillRef>
+          <a:effectRef idx="0">
+            <a:schemeClr val="accent1"/>
+          </a:effectRef>
+          <a:fontRef idx="minor">
+            <a:schemeClr val="lt1"/>
+          </a:fontRef>
+        </p:style>
+        <p:txBody>
+          <a:bodyPr rtlCol="0" anchor="ctr"/>
+          <a:lstStyle/>
+          <a:p>
+            <a:pPr algn="ctr"/>
+            <a:endParaRPr lang="es-PE"/>
+          </a:p>
+        </p:txBody>
+      </p:sp>
+      <p:cxnSp>
+        <p:nvCxnSpPr>
+          <p:cNvPr id="31" name="Straight Connector 30">
+            <a:extLst>
+              <a:ext uri="{FF2B5EF4-FFF2-40B4-BE49-F238E27FC236}">
+                <a16:creationId xmlns:a16="http://schemas.microsoft.com/office/drawing/2014/main" id="{A3E00244-E9BD-A398-D948-612401505062}"/>
+              </a:ext>
+            </a:extLst>
+          </p:cNvPr>
+          <p:cNvCxnSpPr>
+            <a:cxnSpLocks/>
+          </p:cNvCxnSpPr>
+          <p:nvPr/>
+        </p:nvCxnSpPr>
+        <p:spPr>
+          <a:xfrm>
+            <a:off x="3210611" y="6129338"/>
+            <a:ext cx="5089327" cy="0"/>
+          </a:xfrm>
+          <a:prstGeom prst="line">
+            <a:avLst/>
+          </a:prstGeom>
+          <a:ln w="57150">
+            <a:solidFill>
+              <a:srgbClr val="FF0000"/>
+            </a:solidFill>
+          </a:ln>
+        </p:spPr>
+        <p:style>
+          <a:lnRef idx="1">
+            <a:schemeClr val="accent1"/>
+          </a:lnRef>
+          <a:fillRef idx="0">
+            <a:schemeClr val="accent1"/>
+          </a:fillRef>
+          <a:effectRef idx="0">
+            <a:schemeClr val="accent1"/>
+          </a:effectRef>
+          <a:fontRef idx="minor">
+            <a:schemeClr val="tx1"/>
+          </a:fontRef>
+        </p:style>
+      </p:cxnSp>
+      <p:cxnSp>
+        <p:nvCxnSpPr>
+          <p:cNvPr id="33" name="Straight Connector 32">
+            <a:extLst>
+              <a:ext uri="{FF2B5EF4-FFF2-40B4-BE49-F238E27FC236}">
+                <a16:creationId xmlns:a16="http://schemas.microsoft.com/office/drawing/2014/main" id="{21C7439C-4D7E-09A7-BF5D-CCF7E8C4F1F5}"/>
+              </a:ext>
+            </a:extLst>
+          </p:cNvPr>
+          <p:cNvCxnSpPr>
+            <a:cxnSpLocks/>
+          </p:cNvCxnSpPr>
+          <p:nvPr/>
+        </p:nvCxnSpPr>
+        <p:spPr>
+          <a:xfrm>
+            <a:off x="8299938" y="5677999"/>
+            <a:ext cx="841794" cy="0"/>
+          </a:xfrm>
+          <a:prstGeom prst="line">
+            <a:avLst/>
+          </a:prstGeom>
+          <a:ln w="57150">
+            <a:solidFill>
+              <a:srgbClr val="FF0000"/>
+            </a:solidFill>
+          </a:ln>
+        </p:spPr>
+        <p:style>
+          <a:lnRef idx="1">
+            <a:schemeClr val="accent1"/>
+          </a:lnRef>
+          <a:fillRef idx="0">
+            <a:schemeClr val="accent1"/>
+          </a:fillRef>
+          <a:effectRef idx="0">
+            <a:schemeClr val="accent1"/>
+          </a:effectRef>
+          <a:fontRef idx="minor">
+            <a:schemeClr val="tx1"/>
+          </a:fontRef>
+        </p:style>
+      </p:cxnSp>
+      <p:cxnSp>
+        <p:nvCxnSpPr>
+          <p:cNvPr id="35" name="Straight Connector 34">
+            <a:extLst>
+              <a:ext uri="{FF2B5EF4-FFF2-40B4-BE49-F238E27FC236}">
+                <a16:creationId xmlns:a16="http://schemas.microsoft.com/office/drawing/2014/main" id="{CC9F921F-6857-AA6F-3351-7D3591707BC4}"/>
+              </a:ext>
+            </a:extLst>
+          </p:cNvPr>
+          <p:cNvCxnSpPr>
+            <a:cxnSpLocks/>
+          </p:cNvCxnSpPr>
+          <p:nvPr/>
+        </p:nvCxnSpPr>
+        <p:spPr>
+          <a:xfrm>
+            <a:off x="3162208" y="6662415"/>
+            <a:ext cx="4875977" cy="0"/>
+          </a:xfrm>
+          <a:prstGeom prst="line">
+            <a:avLst/>
+          </a:prstGeom>
+          <a:ln w="57150">
+            <a:solidFill>
+              <a:srgbClr val="FF0000"/>
+            </a:solidFill>
+          </a:ln>
+        </p:spPr>
+        <p:style>
+          <a:lnRef idx="1">
+            <a:schemeClr val="accent1"/>
+          </a:lnRef>
+          <a:fillRef idx="0">
+            <a:schemeClr val="accent1"/>
+          </a:fillRef>
+          <a:effectRef idx="0">
+            <a:schemeClr val="accent1"/>
+          </a:effectRef>
+          <a:fontRef idx="minor">
+            <a:schemeClr val="tx1"/>
+          </a:fontRef>
+        </p:style>
+      </p:cxnSp>
+    </p:spTree>
+    <p:extLst>
+      <p:ext uri="{BB962C8B-B14F-4D97-AF65-F5344CB8AC3E}">
+        <p14:creationId xmlns:p14="http://schemas.microsoft.com/office/powerpoint/2010/main" val="1882908472"/>
+      </p:ext>
+    </p:extLst>
+  </p:cSld>
+  <p:clrMapOvr>
+    <a:masterClrMapping/>
+  </p:clrMapOvr>
+</p:sld>
+</file>
+
+<file path=ppt/slides/slide11.xml><?xml version="1.0" encoding="utf-8"?>
+<p:sld xmlns:a="http://schemas.openxmlformats.org/drawingml/2006/main" xmlns:r="http://schemas.openxmlformats.org/officeDocument/2006/relationships" xmlns:p="http://schemas.openxmlformats.org/presentationml/2006/main">
+  <p:cSld>
+    <p:spTree>
+      <p:nvGrpSpPr>
+        <p:cNvPr id="1" name="">
+          <a:extLst>
+            <a:ext uri="{FF2B5EF4-FFF2-40B4-BE49-F238E27FC236}">
+              <a16:creationId xmlns:a16="http://schemas.microsoft.com/office/drawing/2014/main" id="{67787DCC-07E4-336A-9A6E-4DCCC2E23B5E}"/>
+            </a:ext>
+          </a:extLst>
+        </p:cNvPr>
+        <p:cNvGrpSpPr/>
+        <p:nvPr/>
+      </p:nvGrpSpPr>
+      <p:grpSpPr>
+        <a:xfrm>
+          <a:off x="0" y="0"/>
+          <a:ext cx="0" cy="0"/>
+          <a:chOff x="0" y="0"/>
+          <a:chExt cx="0" cy="0"/>
+        </a:xfrm>
+      </p:grpSpPr>
+      <p:pic>
+        <p:nvPicPr>
+          <p:cNvPr id="3" name="Picture 2">
+            <a:extLst>
+              <a:ext uri="{FF2B5EF4-FFF2-40B4-BE49-F238E27FC236}">
+                <a16:creationId xmlns:a16="http://schemas.microsoft.com/office/drawing/2014/main" id="{B25C66EE-04FA-33C7-26AA-4FB14C34F21A}"/>
+              </a:ext>
+            </a:extLst>
+          </p:cNvPr>
+          <p:cNvPicPr>
+            <a:picLocks noChangeAspect="1"/>
+          </p:cNvPicPr>
+          <p:nvPr/>
+        </p:nvPicPr>
+        <p:blipFill>
+          <a:blip r:embed="rId2"/>
+          <a:stretch>
+            <a:fillRect/>
+          </a:stretch>
+        </p:blipFill>
+        <p:spPr>
+          <a:xfrm>
+            <a:off x="3559785" y="0"/>
+            <a:ext cx="4722569" cy="6809286"/>
+          </a:xfrm>
+          <a:prstGeom prst="rect">
+            <a:avLst/>
+          </a:prstGeom>
+        </p:spPr>
+      </p:pic>
+      <p:cxnSp>
+        <p:nvCxnSpPr>
+          <p:cNvPr id="2" name="Straight Connector 1">
+            <a:extLst>
+              <a:ext uri="{FF2B5EF4-FFF2-40B4-BE49-F238E27FC236}">
+                <a16:creationId xmlns:a16="http://schemas.microsoft.com/office/drawing/2014/main" id="{E38CBC89-3293-FE57-7CD4-BCE11A719E70}"/>
+              </a:ext>
+            </a:extLst>
+          </p:cNvPr>
+          <p:cNvCxnSpPr>
+            <a:cxnSpLocks/>
+          </p:cNvCxnSpPr>
+          <p:nvPr/>
+        </p:nvCxnSpPr>
+        <p:spPr>
+          <a:xfrm>
+            <a:off x="3755734" y="766030"/>
+            <a:ext cx="4526620" cy="0"/>
+          </a:xfrm>
+          <a:prstGeom prst="line">
+            <a:avLst/>
+          </a:prstGeom>
+          <a:ln w="57150">
+            <a:solidFill>
+              <a:srgbClr val="FF0000"/>
+            </a:solidFill>
+          </a:ln>
+        </p:spPr>
+        <p:style>
+          <a:lnRef idx="1">
+            <a:schemeClr val="accent1"/>
+          </a:lnRef>
+          <a:fillRef idx="0">
+            <a:schemeClr val="accent1"/>
+          </a:fillRef>
+          <a:effectRef idx="0">
+            <a:schemeClr val="accent1"/>
+          </a:effectRef>
+          <a:fontRef idx="minor">
+            <a:schemeClr val="tx1"/>
+          </a:fontRef>
+        </p:style>
+      </p:cxnSp>
+      <p:cxnSp>
+        <p:nvCxnSpPr>
+          <p:cNvPr id="5" name="Straight Connector 4">
+            <a:extLst>
+              <a:ext uri="{FF2B5EF4-FFF2-40B4-BE49-F238E27FC236}">
+                <a16:creationId xmlns:a16="http://schemas.microsoft.com/office/drawing/2014/main" id="{C04A4A1C-7461-A147-005C-0057C1798439}"/>
+              </a:ext>
+            </a:extLst>
+          </p:cNvPr>
+          <p:cNvCxnSpPr>
+            <a:cxnSpLocks/>
+          </p:cNvCxnSpPr>
+          <p:nvPr/>
+        </p:nvCxnSpPr>
+        <p:spPr>
+          <a:xfrm>
+            <a:off x="3755734" y="1147030"/>
+            <a:ext cx="4526620" cy="0"/>
+          </a:xfrm>
+          <a:prstGeom prst="line">
+            <a:avLst/>
+          </a:prstGeom>
+          <a:ln w="57150">
+            <a:solidFill>
+              <a:srgbClr val="FF0000"/>
+            </a:solidFill>
+          </a:ln>
+        </p:spPr>
+        <p:style>
+          <a:lnRef idx="1">
+            <a:schemeClr val="accent1"/>
+          </a:lnRef>
+          <a:fillRef idx="0">
+            <a:schemeClr val="accent1"/>
+          </a:fillRef>
+          <a:effectRef idx="0">
+            <a:schemeClr val="accent1"/>
+          </a:effectRef>
+          <a:fontRef idx="minor">
+            <a:schemeClr val="tx1"/>
+          </a:fontRef>
+        </p:style>
+      </p:cxnSp>
+      <p:cxnSp>
+        <p:nvCxnSpPr>
+          <p:cNvPr id="6" name="Straight Connector 5">
+            <a:extLst>
+              <a:ext uri="{FF2B5EF4-FFF2-40B4-BE49-F238E27FC236}">
+                <a16:creationId xmlns:a16="http://schemas.microsoft.com/office/drawing/2014/main" id="{7BACDA64-9CC8-6AFE-8C5E-23E0D2157642}"/>
+              </a:ext>
+            </a:extLst>
+          </p:cNvPr>
+          <p:cNvCxnSpPr>
+            <a:cxnSpLocks/>
+          </p:cNvCxnSpPr>
+          <p:nvPr/>
+        </p:nvCxnSpPr>
+        <p:spPr>
+          <a:xfrm>
+            <a:off x="3755734" y="1492861"/>
+            <a:ext cx="4526620" cy="0"/>
+          </a:xfrm>
+          <a:prstGeom prst="line">
+            <a:avLst/>
+          </a:prstGeom>
+          <a:ln w="57150">
+            <a:solidFill>
+              <a:srgbClr val="FF0000"/>
+            </a:solidFill>
+          </a:ln>
+        </p:spPr>
+        <p:style>
+          <a:lnRef idx="1">
+            <a:schemeClr val="accent1"/>
+          </a:lnRef>
+          <a:fillRef idx="0">
+            <a:schemeClr val="accent1"/>
+          </a:fillRef>
+          <a:effectRef idx="0">
+            <a:schemeClr val="accent1"/>
+          </a:effectRef>
+          <a:fontRef idx="minor">
+            <a:schemeClr val="tx1"/>
+          </a:fontRef>
+        </p:style>
+      </p:cxnSp>
+      <p:cxnSp>
+        <p:nvCxnSpPr>
+          <p:cNvPr id="7" name="Straight Connector 6">
+            <a:extLst>
+              <a:ext uri="{FF2B5EF4-FFF2-40B4-BE49-F238E27FC236}">
+                <a16:creationId xmlns:a16="http://schemas.microsoft.com/office/drawing/2014/main" id="{78C22F86-78AD-FEF9-A270-204085FE85BD}"/>
+              </a:ext>
+            </a:extLst>
+          </p:cNvPr>
+          <p:cNvCxnSpPr>
+            <a:cxnSpLocks/>
+          </p:cNvCxnSpPr>
+          <p:nvPr/>
+        </p:nvCxnSpPr>
+        <p:spPr>
+          <a:xfrm>
+            <a:off x="3755734" y="1785938"/>
+            <a:ext cx="992112" cy="0"/>
+          </a:xfrm>
+          <a:prstGeom prst="line">
+            <a:avLst/>
+          </a:prstGeom>
+          <a:ln w="57150">
+            <a:solidFill>
+              <a:srgbClr val="FF0000"/>
+            </a:solidFill>
+          </a:ln>
+        </p:spPr>
+        <p:style>
+          <a:lnRef idx="1">
+            <a:schemeClr val="accent1"/>
+          </a:lnRef>
+          <a:fillRef idx="0">
+            <a:schemeClr val="accent1"/>
+          </a:fillRef>
+          <a:effectRef idx="0">
+            <a:schemeClr val="accent1"/>
+          </a:effectRef>
+          <a:fontRef idx="minor">
+            <a:schemeClr val="tx1"/>
+          </a:fontRef>
+        </p:style>
+      </p:cxnSp>
+      <p:cxnSp>
+        <p:nvCxnSpPr>
+          <p:cNvPr id="9" name="Straight Connector 8">
+            <a:extLst>
+              <a:ext uri="{FF2B5EF4-FFF2-40B4-BE49-F238E27FC236}">
+                <a16:creationId xmlns:a16="http://schemas.microsoft.com/office/drawing/2014/main" id="{4B54E258-CAAB-141F-3048-A1E6F85911CA}"/>
+              </a:ext>
+            </a:extLst>
+          </p:cNvPr>
+          <p:cNvCxnSpPr>
+            <a:cxnSpLocks/>
+          </p:cNvCxnSpPr>
+          <p:nvPr/>
+        </p:nvCxnSpPr>
+        <p:spPr>
+          <a:xfrm>
+            <a:off x="4189488" y="2506907"/>
+            <a:ext cx="2668512" cy="0"/>
+          </a:xfrm>
+          <a:prstGeom prst="line">
+            <a:avLst/>
+          </a:prstGeom>
+          <a:ln w="57150">
+            <a:solidFill>
+              <a:srgbClr val="FF0000"/>
+            </a:solidFill>
+          </a:ln>
+        </p:spPr>
+        <p:style>
+          <a:lnRef idx="1">
+            <a:schemeClr val="accent1"/>
+          </a:lnRef>
+          <a:fillRef idx="0">
+            <a:schemeClr val="accent1"/>
+          </a:fillRef>
+          <a:effectRef idx="0">
+            <a:schemeClr val="accent1"/>
+          </a:effectRef>
+          <a:fontRef idx="minor">
+            <a:schemeClr val="tx1"/>
+          </a:fontRef>
+        </p:style>
+      </p:cxnSp>
+      <p:cxnSp>
+        <p:nvCxnSpPr>
+          <p:cNvPr id="11" name="Straight Connector 10">
+            <a:extLst>
+              <a:ext uri="{FF2B5EF4-FFF2-40B4-BE49-F238E27FC236}">
+                <a16:creationId xmlns:a16="http://schemas.microsoft.com/office/drawing/2014/main" id="{6FC874D5-3825-7E14-255C-39C0A2DF6042}"/>
+              </a:ext>
+            </a:extLst>
+          </p:cNvPr>
+          <p:cNvCxnSpPr>
+            <a:cxnSpLocks/>
+          </p:cNvCxnSpPr>
+          <p:nvPr/>
+        </p:nvCxnSpPr>
+        <p:spPr>
+          <a:xfrm>
+            <a:off x="3755734" y="4282953"/>
+            <a:ext cx="2029604" cy="0"/>
+          </a:xfrm>
+          <a:prstGeom prst="line">
+            <a:avLst/>
+          </a:prstGeom>
+          <a:ln w="57150">
+            <a:solidFill>
+              <a:srgbClr val="FF0000"/>
+            </a:solidFill>
+          </a:ln>
+        </p:spPr>
+        <p:style>
+          <a:lnRef idx="1">
+            <a:schemeClr val="accent1"/>
+          </a:lnRef>
+          <a:fillRef idx="0">
+            <a:schemeClr val="accent1"/>
+          </a:fillRef>
+          <a:effectRef idx="0">
+            <a:schemeClr val="accent1"/>
+          </a:effectRef>
+          <a:fontRef idx="minor">
+            <a:schemeClr val="tx1"/>
+          </a:fontRef>
+        </p:style>
+      </p:cxnSp>
+      <p:cxnSp>
+        <p:nvCxnSpPr>
+          <p:cNvPr id="14" name="Straight Connector 13">
+            <a:extLst>
+              <a:ext uri="{FF2B5EF4-FFF2-40B4-BE49-F238E27FC236}">
+                <a16:creationId xmlns:a16="http://schemas.microsoft.com/office/drawing/2014/main" id="{92F9672E-4B09-6244-6C2E-7469C427ED6B}"/>
+              </a:ext>
+            </a:extLst>
+          </p:cNvPr>
+          <p:cNvCxnSpPr>
+            <a:cxnSpLocks/>
+          </p:cNvCxnSpPr>
+          <p:nvPr/>
+        </p:nvCxnSpPr>
+        <p:spPr>
+          <a:xfrm>
+            <a:off x="5134708" y="3913677"/>
+            <a:ext cx="3147646" cy="0"/>
+          </a:xfrm>
+          <a:prstGeom prst="line">
+            <a:avLst/>
+          </a:prstGeom>
+          <a:ln w="57150">
+            <a:solidFill>
+              <a:srgbClr val="FF0000"/>
+            </a:solidFill>
+          </a:ln>
+        </p:spPr>
+        <p:style>
+          <a:lnRef idx="1">
+            <a:schemeClr val="accent1"/>
+          </a:lnRef>
+          <a:fillRef idx="0">
+            <a:schemeClr val="accent1"/>
+          </a:fillRef>
+          <a:effectRef idx="0">
+            <a:schemeClr val="accent1"/>
+          </a:effectRef>
+          <a:fontRef idx="minor">
+            <a:schemeClr val="tx1"/>
+          </a:fontRef>
+        </p:style>
+      </p:cxnSp>
+      <p:cxnSp>
+        <p:nvCxnSpPr>
+          <p:cNvPr id="16" name="Straight Connector 15">
+            <a:extLst>
+              <a:ext uri="{FF2B5EF4-FFF2-40B4-BE49-F238E27FC236}">
+                <a16:creationId xmlns:a16="http://schemas.microsoft.com/office/drawing/2014/main" id="{3A0B11DB-494B-8F54-D489-59D17039B30C}"/>
+              </a:ext>
+            </a:extLst>
+          </p:cNvPr>
+          <p:cNvCxnSpPr>
+            <a:cxnSpLocks/>
+          </p:cNvCxnSpPr>
+          <p:nvPr/>
+        </p:nvCxnSpPr>
+        <p:spPr>
+          <a:xfrm>
+            <a:off x="3710354" y="4980477"/>
+            <a:ext cx="4413738" cy="0"/>
+          </a:xfrm>
+          <a:prstGeom prst="line">
+            <a:avLst/>
+          </a:prstGeom>
+          <a:ln w="57150">
+            <a:solidFill>
+              <a:srgbClr val="FF0000"/>
+            </a:solidFill>
+          </a:ln>
+        </p:spPr>
+        <p:style>
+          <a:lnRef idx="1">
+            <a:schemeClr val="accent1"/>
+          </a:lnRef>
+          <a:fillRef idx="0">
+            <a:schemeClr val="accent1"/>
+          </a:fillRef>
+          <a:effectRef idx="0">
+            <a:schemeClr val="accent1"/>
+          </a:effectRef>
+          <a:fontRef idx="minor">
+            <a:schemeClr val="tx1"/>
+          </a:fontRef>
+        </p:style>
+      </p:cxnSp>
+      <p:cxnSp>
+        <p:nvCxnSpPr>
+          <p:cNvPr id="18" name="Straight Connector 17">
+            <a:extLst>
+              <a:ext uri="{FF2B5EF4-FFF2-40B4-BE49-F238E27FC236}">
+                <a16:creationId xmlns:a16="http://schemas.microsoft.com/office/drawing/2014/main" id="{E8A6B530-DF2A-6C7D-1597-06BC0857E4C5}"/>
+              </a:ext>
+            </a:extLst>
+          </p:cNvPr>
+          <p:cNvCxnSpPr>
+            <a:cxnSpLocks/>
+          </p:cNvCxnSpPr>
+          <p:nvPr/>
+        </p:nvCxnSpPr>
+        <p:spPr>
+          <a:xfrm>
+            <a:off x="3578469" y="5326308"/>
+            <a:ext cx="1362808" cy="0"/>
+          </a:xfrm>
+          <a:prstGeom prst="line">
+            <a:avLst/>
+          </a:prstGeom>
+          <a:ln w="57150">
+            <a:solidFill>
+              <a:srgbClr val="FF0000"/>
+            </a:solidFill>
+          </a:ln>
+        </p:spPr>
+        <p:style>
+          <a:lnRef idx="1">
+            <a:schemeClr val="accent1"/>
+          </a:lnRef>
+          <a:fillRef idx="0">
+            <a:schemeClr val="accent1"/>
+          </a:fillRef>
+          <a:effectRef idx="0">
+            <a:schemeClr val="accent1"/>
+          </a:effectRef>
+          <a:fontRef idx="minor">
+            <a:schemeClr val="tx1"/>
+          </a:fontRef>
+        </p:style>
+      </p:cxnSp>
+      <p:sp>
+        <p:nvSpPr>
+          <p:cNvPr id="20" name="Rectangle 19">
+            <a:extLst>
+              <a:ext uri="{FF2B5EF4-FFF2-40B4-BE49-F238E27FC236}">
+                <a16:creationId xmlns:a16="http://schemas.microsoft.com/office/drawing/2014/main" id="{F9308F79-FEE0-7118-E0FE-A2C213629730}"/>
+              </a:ext>
+            </a:extLst>
+          </p:cNvPr>
+          <p:cNvSpPr/>
+          <p:nvPr/>
+        </p:nvSpPr>
+        <p:spPr>
+          <a:xfrm>
+            <a:off x="4959961" y="5013813"/>
+            <a:ext cx="825377" cy="347664"/>
+          </a:xfrm>
+          <a:prstGeom prst="rect">
+            <a:avLst/>
+          </a:prstGeom>
+          <a:noFill/>
+          <a:ln w="76200">
+            <a:solidFill>
+              <a:srgbClr val="FF0000"/>
+            </a:solidFill>
+          </a:ln>
+        </p:spPr>
+        <p:style>
+          <a:lnRef idx="2">
+            <a:schemeClr val="accent1">
+              <a:shade val="15000"/>
+            </a:schemeClr>
+          </a:lnRef>
+          <a:fillRef idx="1">
+            <a:schemeClr val="accent1"/>
+          </a:fillRef>
+          <a:effectRef idx="0">
+            <a:schemeClr val="accent1"/>
+          </a:effectRef>
+          <a:fontRef idx="minor">
+            <a:schemeClr val="lt1"/>
+          </a:fontRef>
+        </p:style>
+        <p:txBody>
+          <a:bodyPr rtlCol="0" anchor="ctr"/>
+          <a:lstStyle/>
+          <a:p>
+            <a:pPr algn="ctr"/>
+            <a:endParaRPr lang="es-PE"/>
+          </a:p>
+        </p:txBody>
+      </p:sp>
+      <p:sp>
+        <p:nvSpPr>
+          <p:cNvPr id="21" name="Rectangle 20">
+            <a:extLst>
+              <a:ext uri="{FF2B5EF4-FFF2-40B4-BE49-F238E27FC236}">
+                <a16:creationId xmlns:a16="http://schemas.microsoft.com/office/drawing/2014/main" id="{AF21920C-1419-9E89-A8B6-806DC15127FD}"/>
+              </a:ext>
+            </a:extLst>
+          </p:cNvPr>
+          <p:cNvSpPr/>
+          <p:nvPr/>
+        </p:nvSpPr>
+        <p:spPr>
+          <a:xfrm>
+            <a:off x="5523744" y="3618767"/>
+            <a:ext cx="1826625" cy="341789"/>
+          </a:xfrm>
+          <a:prstGeom prst="rect">
+            <a:avLst/>
+          </a:prstGeom>
+          <a:noFill/>
+          <a:ln w="76200">
+            <a:solidFill>
+              <a:srgbClr val="FF0000"/>
+            </a:solidFill>
+          </a:ln>
+        </p:spPr>
+        <p:style>
+          <a:lnRef idx="2">
+            <a:schemeClr val="accent1">
+              <a:shade val="15000"/>
+            </a:schemeClr>
+          </a:lnRef>
+          <a:fillRef idx="1">
+            <a:schemeClr val="accent1"/>
+          </a:fillRef>
+          <a:effectRef idx="0">
+            <a:schemeClr val="accent1"/>
+          </a:effectRef>
+          <a:fontRef idx="minor">
+            <a:schemeClr val="lt1"/>
+          </a:fontRef>
+        </p:style>
+        <p:txBody>
+          <a:bodyPr rtlCol="0" anchor="ctr"/>
+          <a:lstStyle/>
+          <a:p>
+            <a:pPr algn="ctr"/>
+            <a:endParaRPr lang="es-PE"/>
+          </a:p>
+        </p:txBody>
+      </p:sp>
+      <p:pic>
+        <p:nvPicPr>
+          <p:cNvPr id="22" name="Picture 21">
+            <a:extLst>
+              <a:ext uri="{FF2B5EF4-FFF2-40B4-BE49-F238E27FC236}">
+                <a16:creationId xmlns:a16="http://schemas.microsoft.com/office/drawing/2014/main" id="{308B2D68-6CDF-3972-B2B3-5371A55220E4}"/>
+              </a:ext>
+            </a:extLst>
+          </p:cNvPr>
+          <p:cNvPicPr>
+            <a:picLocks noChangeAspect="1"/>
+          </p:cNvPicPr>
+          <p:nvPr/>
+        </p:nvPicPr>
+        <p:blipFill>
+          <a:blip r:embed="rId3"/>
+          <a:stretch>
+            <a:fillRect/>
+          </a:stretch>
+        </p:blipFill>
+        <p:spPr>
+          <a:xfrm>
+            <a:off x="6210445" y="6473339"/>
+            <a:ext cx="2071909" cy="280594"/>
+          </a:xfrm>
+          <a:prstGeom prst="rect">
+            <a:avLst/>
+          </a:prstGeom>
+        </p:spPr>
+      </p:pic>
+      <p:sp>
+        <p:nvSpPr>
+          <p:cNvPr id="23" name="Rectangle 22">
+            <a:extLst>
+              <a:ext uri="{FF2B5EF4-FFF2-40B4-BE49-F238E27FC236}">
+                <a16:creationId xmlns:a16="http://schemas.microsoft.com/office/drawing/2014/main" id="{8172C3EB-8331-709F-6E14-7004DC55CCCD}"/>
+              </a:ext>
+            </a:extLst>
+          </p:cNvPr>
+          <p:cNvSpPr/>
+          <p:nvPr/>
+        </p:nvSpPr>
+        <p:spPr>
+          <a:xfrm>
+            <a:off x="5385068" y="6439803"/>
+            <a:ext cx="825377" cy="356845"/>
+          </a:xfrm>
+          <a:prstGeom prst="rect">
+            <a:avLst/>
+          </a:prstGeom>
+          <a:noFill/>
+          <a:ln w="76200">
+            <a:solidFill>
+              <a:srgbClr val="FF0000"/>
+            </a:solidFill>
+          </a:ln>
+        </p:spPr>
+        <p:style>
+          <a:lnRef idx="2">
+            <a:schemeClr val="accent1">
+              <a:shade val="15000"/>
+            </a:schemeClr>
+          </a:lnRef>
+          <a:fillRef idx="1">
+            <a:schemeClr val="accent1"/>
+          </a:fillRef>
+          <a:effectRef idx="0">
+            <a:schemeClr val="accent1"/>
+          </a:effectRef>
+          <a:fontRef idx="minor">
+            <a:schemeClr val="lt1"/>
+          </a:fontRef>
+        </p:style>
+        <p:txBody>
+          <a:bodyPr rtlCol="0" anchor="ctr"/>
+          <a:lstStyle/>
+          <a:p>
+            <a:pPr algn="ctr"/>
+            <a:endParaRPr lang="es-PE"/>
+          </a:p>
+        </p:txBody>
+      </p:sp>
+    </p:spTree>
+    <p:extLst>
+      <p:ext uri="{BB962C8B-B14F-4D97-AF65-F5344CB8AC3E}">
+        <p14:creationId xmlns:p14="http://schemas.microsoft.com/office/powerpoint/2010/main" val="3753445927"/>
+      </p:ext>
+    </p:extLst>
+  </p:cSld>
+  <p:clrMapOvr>
+    <a:masterClrMapping/>
+  </p:clrMapOvr>
+</p:sld>
+</file>
+
+<file path=ppt/slides/slide12.xml><?xml version="1.0" encoding="utf-8"?>
 <p:sld xmlns:a="http://schemas.openxmlformats.org/drawingml/2006/main" xmlns:r="http://schemas.openxmlformats.org/officeDocument/2006/relationships" xmlns:p="http://schemas.openxmlformats.org/presentationml/2006/main">
   <p:cSld>
     <p:spTree>
@@ -4190,7 +5806,7 @@
 </p:sld>
 </file>
 
-<file path=ppt/slides/slide11.xml><?xml version="1.0" encoding="utf-8"?>
+<file path=ppt/slides/slide13.xml><?xml version="1.0" encoding="utf-8"?>
 <p:sld xmlns:a="http://schemas.openxmlformats.org/drawingml/2006/main" xmlns:r="http://schemas.openxmlformats.org/officeDocument/2006/relationships" xmlns:p="http://schemas.openxmlformats.org/presentationml/2006/main">
   <p:cSld>
     <p:spTree>
@@ -4897,7 +6513,7 @@
 </p:sld>
 </file>
 
-<file path=ppt/slides/slide12.xml><?xml version="1.0" encoding="utf-8"?>
+<file path=ppt/slides/slide14.xml><?xml version="1.0" encoding="utf-8"?>
 <p:sld xmlns:a="http://schemas.openxmlformats.org/drawingml/2006/main" xmlns:r="http://schemas.openxmlformats.org/officeDocument/2006/relationships" xmlns:p="http://schemas.openxmlformats.org/presentationml/2006/main">
   <p:cSld>
     <p:spTree>
@@ -5597,7 +7213,7 @@
 </p:sld>
 </file>
 
-<file path=ppt/slides/slide13.xml><?xml version="1.0" encoding="utf-8"?>
+<file path=ppt/slides/slide15.xml><?xml version="1.0" encoding="utf-8"?>
 <p:sld xmlns:a="http://schemas.openxmlformats.org/drawingml/2006/main" xmlns:r="http://schemas.openxmlformats.org/officeDocument/2006/relationships" xmlns:p="http://schemas.openxmlformats.org/presentationml/2006/main">
   <p:cSld>
     <p:spTree>
@@ -6166,7 +7782,7 @@
 </p:sld>
 </file>
 
-<file path=ppt/slides/slide14.xml><?xml version="1.0" encoding="utf-8"?>
+<file path=ppt/slides/slide16.xml><?xml version="1.0" encoding="utf-8"?>
 <p:sld xmlns:a="http://schemas.openxmlformats.org/drawingml/2006/main" xmlns:r="http://schemas.openxmlformats.org/officeDocument/2006/relationships" xmlns:p="http://schemas.openxmlformats.org/presentationml/2006/main">
   <p:cSld>
     <p:spTree>
@@ -6643,7 +8259,7 @@
 </p:sld>
 </file>
 
-<file path=ppt/slides/slide15.xml><?xml version="1.0" encoding="utf-8"?>
+<file path=ppt/slides/slide17.xml><?xml version="1.0" encoding="utf-8"?>
 <p:sld xmlns:a="http://schemas.openxmlformats.org/drawingml/2006/main" xmlns:r="http://schemas.openxmlformats.org/officeDocument/2006/relationships" xmlns:p="http://schemas.openxmlformats.org/presentationml/2006/main">
   <p:cSld>
     <p:spTree>
@@ -6967,7 +8583,7 @@
 </p:sld>
 </file>
 
-<file path=ppt/slides/slide16.xml><?xml version="1.0" encoding="utf-8"?>
+<file path=ppt/slides/slide18.xml><?xml version="1.0" encoding="utf-8"?>
 <p:sld xmlns:a="http://schemas.openxmlformats.org/drawingml/2006/main" xmlns:r="http://schemas.openxmlformats.org/officeDocument/2006/relationships" xmlns:p="http://schemas.openxmlformats.org/presentationml/2006/main">
   <p:cSld>
     <p:spTree>
@@ -7447,7 +9063,7 @@
 </p:sld>
 </file>
 
-<file path=ppt/slides/slide17.xml><?xml version="1.0" encoding="utf-8"?>
+<file path=ppt/slides/slide19.xml><?xml version="1.0" encoding="utf-8"?>
 <p:sld xmlns:a="http://schemas.openxmlformats.org/drawingml/2006/main" xmlns:r="http://schemas.openxmlformats.org/officeDocument/2006/relationships" xmlns:p="http://schemas.openxmlformats.org/presentationml/2006/main">
   <p:cSld>
     <p:spTree>
@@ -8086,7 +9702,198 @@
 </p:sld>
 </file>
 
-<file path=ppt/slides/slide18.xml><?xml version="1.0" encoding="utf-8"?>
+<file path=ppt/slides/slide2.xml><?xml version="1.0" encoding="utf-8"?>
+<p:sld xmlns:a="http://schemas.openxmlformats.org/drawingml/2006/main" xmlns:r="http://schemas.openxmlformats.org/officeDocument/2006/relationships" xmlns:p="http://schemas.openxmlformats.org/presentationml/2006/main">
+  <p:cSld>
+    <p:spTree>
+      <p:nvGrpSpPr>
+        <p:cNvPr id="1" name="">
+          <a:extLst>
+            <a:ext uri="{FF2B5EF4-FFF2-40B4-BE49-F238E27FC236}">
+              <a16:creationId xmlns:a16="http://schemas.microsoft.com/office/drawing/2014/main" id="{CFCA8E86-2E03-3EBC-27C2-1B8C55C4B796}"/>
+            </a:ext>
+          </a:extLst>
+        </p:cNvPr>
+        <p:cNvGrpSpPr/>
+        <p:nvPr/>
+      </p:nvGrpSpPr>
+      <p:grpSpPr>
+        <a:xfrm>
+          <a:off x="0" y="0"/>
+          <a:ext cx="0" cy="0"/>
+          <a:chOff x="0" y="0"/>
+          <a:chExt cx="0" cy="0"/>
+        </a:xfrm>
+      </p:grpSpPr>
+      <p:sp>
+        <p:nvSpPr>
+          <p:cNvPr id="2" name="Title 1">
+            <a:extLst>
+              <a:ext uri="{FF2B5EF4-FFF2-40B4-BE49-F238E27FC236}">
+                <a16:creationId xmlns:a16="http://schemas.microsoft.com/office/drawing/2014/main" id="{4BB49B08-1E6B-E3AA-A902-35F631A21B48}"/>
+              </a:ext>
+            </a:extLst>
+          </p:cNvPr>
+          <p:cNvSpPr>
+            <a:spLocks noGrp="1"/>
+          </p:cNvSpPr>
+          <p:nvPr>
+            <p:ph type="title"/>
+          </p:nvPr>
+        </p:nvSpPr>
+        <p:spPr>
+          <a:xfrm>
+            <a:off x="-2473960" y="40640"/>
+            <a:ext cx="10515600" cy="975359"/>
+          </a:xfrm>
+        </p:spPr>
+        <p:txBody>
+          <a:bodyPr/>
+          <a:lstStyle/>
+          <a:p>
+            <a:pPr algn="ctr"/>
+            <a:r>
+              <a:rPr lang="es-MX" dirty="0"/>
+              <a:t>La razón según la RAE</a:t>
+            </a:r>
+            <a:endParaRPr lang="es-PE" dirty="0"/>
+          </a:p>
+        </p:txBody>
+      </p:sp>
+      <p:pic>
+        <p:nvPicPr>
+          <p:cNvPr id="4" name="Picture 3">
+            <a:extLst>
+              <a:ext uri="{FF2B5EF4-FFF2-40B4-BE49-F238E27FC236}">
+                <a16:creationId xmlns:a16="http://schemas.microsoft.com/office/drawing/2014/main" id="{D7225818-AC38-8C11-01A3-D5C374546785}"/>
+              </a:ext>
+            </a:extLst>
+          </p:cNvPr>
+          <p:cNvPicPr>
+            <a:picLocks noChangeAspect="1"/>
+          </p:cNvPicPr>
+          <p:nvPr/>
+        </p:nvPicPr>
+        <p:blipFill>
+          <a:blip r:embed="rId2"/>
+          <a:stretch>
+            <a:fillRect/>
+          </a:stretch>
+        </p:blipFill>
+        <p:spPr>
+          <a:xfrm>
+            <a:off x="0" y="725487"/>
+            <a:ext cx="4657725" cy="2552700"/>
+          </a:xfrm>
+          <a:prstGeom prst="rect">
+            <a:avLst/>
+          </a:prstGeom>
+        </p:spPr>
+      </p:pic>
+      <p:pic>
+        <p:nvPicPr>
+          <p:cNvPr id="8" name="Picture 7">
+            <a:extLst>
+              <a:ext uri="{FF2B5EF4-FFF2-40B4-BE49-F238E27FC236}">
+                <a16:creationId xmlns:a16="http://schemas.microsoft.com/office/drawing/2014/main" id="{093C0876-2B19-F541-84FE-D3582615049B}"/>
+              </a:ext>
+            </a:extLst>
+          </p:cNvPr>
+          <p:cNvPicPr>
+            <a:picLocks noChangeAspect="1"/>
+          </p:cNvPicPr>
+          <p:nvPr/>
+        </p:nvPicPr>
+        <p:blipFill>
+          <a:blip r:embed="rId3"/>
+          <a:stretch>
+            <a:fillRect/>
+          </a:stretch>
+        </p:blipFill>
+        <p:spPr>
+          <a:xfrm>
+            <a:off x="182245" y="3484563"/>
+            <a:ext cx="4572000" cy="2647950"/>
+          </a:xfrm>
+          <a:prstGeom prst="rect">
+            <a:avLst/>
+          </a:prstGeom>
+        </p:spPr>
+      </p:pic>
+      <p:pic>
+        <p:nvPicPr>
+          <p:cNvPr id="11" name="Picture 10">
+            <a:extLst>
+              <a:ext uri="{FF2B5EF4-FFF2-40B4-BE49-F238E27FC236}">
+                <a16:creationId xmlns:a16="http://schemas.microsoft.com/office/drawing/2014/main" id="{A8F6A88E-C11D-E992-0117-F97650648D69}"/>
+              </a:ext>
+            </a:extLst>
+          </p:cNvPr>
+          <p:cNvPicPr>
+            <a:picLocks noChangeAspect="1"/>
+          </p:cNvPicPr>
+          <p:nvPr/>
+        </p:nvPicPr>
+        <p:blipFill>
+          <a:blip r:embed="rId4"/>
+          <a:stretch>
+            <a:fillRect/>
+          </a:stretch>
+        </p:blipFill>
+        <p:spPr>
+          <a:xfrm>
+            <a:off x="6567487" y="51117"/>
+            <a:ext cx="4657725" cy="2781300"/>
+          </a:xfrm>
+          <a:prstGeom prst="rect">
+            <a:avLst/>
+          </a:prstGeom>
+        </p:spPr>
+      </p:pic>
+      <p:pic>
+        <p:nvPicPr>
+          <p:cNvPr id="13" name="Picture 12">
+            <a:extLst>
+              <a:ext uri="{FF2B5EF4-FFF2-40B4-BE49-F238E27FC236}">
+                <a16:creationId xmlns:a16="http://schemas.microsoft.com/office/drawing/2014/main" id="{B79645E8-10D6-B6C1-D365-92FFDC88CE89}"/>
+              </a:ext>
+            </a:extLst>
+          </p:cNvPr>
+          <p:cNvPicPr>
+            <a:picLocks noChangeAspect="1"/>
+          </p:cNvPicPr>
+          <p:nvPr/>
+        </p:nvPicPr>
+        <p:blipFill>
+          <a:blip r:embed="rId5"/>
+          <a:stretch>
+            <a:fillRect/>
+          </a:stretch>
+        </p:blipFill>
+        <p:spPr>
+          <a:xfrm>
+            <a:off x="6662737" y="2903538"/>
+            <a:ext cx="4562475" cy="3228975"/>
+          </a:xfrm>
+          <a:prstGeom prst="rect">
+            <a:avLst/>
+          </a:prstGeom>
+        </p:spPr>
+      </p:pic>
+    </p:spTree>
+    <p:extLst>
+      <p:ext uri="{BB962C8B-B14F-4D97-AF65-F5344CB8AC3E}">
+        <p14:creationId xmlns:p14="http://schemas.microsoft.com/office/powerpoint/2010/main" val="678403862"/>
+      </p:ext>
+    </p:extLst>
+  </p:cSld>
+  <p:clrMapOvr>
+    <a:masterClrMapping/>
+  </p:clrMapOvr>
+</p:sld>
+</file>
+
+<file path=ppt/slides/slide20.xml><?xml version="1.0" encoding="utf-8"?>
 <p:sld xmlns:a="http://schemas.openxmlformats.org/drawingml/2006/main" xmlns:r="http://schemas.openxmlformats.org/officeDocument/2006/relationships" xmlns:p="http://schemas.openxmlformats.org/presentationml/2006/main">
   <p:cSld>
     <p:spTree>
@@ -8768,7 +10575,7 @@
 </p:sld>
 </file>
 
-<file path=ppt/slides/slide19.xml><?xml version="1.0" encoding="utf-8"?>
+<file path=ppt/slides/slide21.xml><?xml version="1.0" encoding="utf-8"?>
 <p:sld xmlns:a="http://schemas.openxmlformats.org/drawingml/2006/main" xmlns:r="http://schemas.openxmlformats.org/officeDocument/2006/relationships" xmlns:p="http://schemas.openxmlformats.org/presentationml/2006/main">
   <p:cSld>
     <p:spTree>
@@ -9665,67 +11472,7 @@
 </p:sld>
 </file>
 
-<file path=ppt/slides/slide2.xml><?xml version="1.0" encoding="utf-8"?>
-<p:sld xmlns:a="http://schemas.openxmlformats.org/drawingml/2006/main" xmlns:r="http://schemas.openxmlformats.org/officeDocument/2006/relationships" xmlns:p="http://schemas.openxmlformats.org/presentationml/2006/main">
-  <p:cSld>
-    <p:spTree>
-      <p:nvGrpSpPr>
-        <p:cNvPr id="1" name=""/>
-        <p:cNvGrpSpPr/>
-        <p:nvPr/>
-      </p:nvGrpSpPr>
-      <p:grpSpPr>
-        <a:xfrm>
-          <a:off x="0" y="0"/>
-          <a:ext cx="0" cy="0"/>
-          <a:chOff x="0" y="0"/>
-          <a:chExt cx="0" cy="0"/>
-        </a:xfrm>
-      </p:grpSpPr>
-      <p:pic>
-        <p:nvPicPr>
-          <p:cNvPr id="33" name="Picture 32">
-            <a:extLst>
-              <a:ext uri="{FF2B5EF4-FFF2-40B4-BE49-F238E27FC236}">
-                <a16:creationId xmlns:a16="http://schemas.microsoft.com/office/drawing/2014/main" id="{D9ABC69E-4DE7-BF10-DC98-C9A641BDA8B1}"/>
-              </a:ext>
-            </a:extLst>
-          </p:cNvPr>
-          <p:cNvPicPr>
-            <a:picLocks noChangeAspect="1"/>
-          </p:cNvPicPr>
-          <p:nvPr/>
-        </p:nvPicPr>
-        <p:blipFill>
-          <a:blip r:embed="rId2"/>
-          <a:stretch>
-            <a:fillRect/>
-          </a:stretch>
-        </p:blipFill>
-        <p:spPr>
-          <a:xfrm>
-            <a:off x="0" y="-1"/>
-            <a:ext cx="12192000" cy="7010219"/>
-          </a:xfrm>
-          <a:prstGeom prst="rect">
-            <a:avLst/>
-          </a:prstGeom>
-        </p:spPr>
-      </p:pic>
-    </p:spTree>
-    <p:extLst>
-      <p:ext uri="{BB962C8B-B14F-4D97-AF65-F5344CB8AC3E}">
-        <p14:creationId xmlns:p14="http://schemas.microsoft.com/office/powerpoint/2010/main" val="1330005976"/>
-      </p:ext>
-    </p:extLst>
-  </p:cSld>
-  <p:clrMapOvr>
-    <a:masterClrMapping/>
-  </p:clrMapOvr>
-</p:sld>
-</file>
-
-<file path=ppt/slides/slide20.xml><?xml version="1.0" encoding="utf-8"?>
+<file path=ppt/slides/slide22.xml><?xml version="1.0" encoding="utf-8"?>
 <p:sld xmlns:a="http://schemas.openxmlformats.org/drawingml/2006/main" xmlns:r="http://schemas.openxmlformats.org/officeDocument/2006/relationships" xmlns:p="http://schemas.openxmlformats.org/presentationml/2006/main">
   <p:cSld>
     <p:spTree>
@@ -10312,7 +12059,7 @@
 </p:sld>
 </file>
 
-<file path=ppt/slides/slide21.xml><?xml version="1.0" encoding="utf-8"?>
+<file path=ppt/slides/slide23.xml><?xml version="1.0" encoding="utf-8"?>
 <p:sld xmlns:a="http://schemas.openxmlformats.org/drawingml/2006/main" xmlns:r="http://schemas.openxmlformats.org/officeDocument/2006/relationships" xmlns:p="http://schemas.openxmlformats.org/presentationml/2006/main">
   <p:cSld>
     <p:spTree>
@@ -11016,7 +12763,7 @@
 </p:sld>
 </file>
 
-<file path=ppt/slides/slide22.xml><?xml version="1.0" encoding="utf-8"?>
+<file path=ppt/slides/slide24.xml><?xml version="1.0" encoding="utf-8"?>
 <p:sld xmlns:a="http://schemas.openxmlformats.org/drawingml/2006/main" xmlns:r="http://schemas.openxmlformats.org/officeDocument/2006/relationships" xmlns:p="http://schemas.openxmlformats.org/presentationml/2006/main">
   <p:cSld>
     <p:spTree>
@@ -11499,7 +13246,7 @@
 </p:sld>
 </file>
 
-<file path=ppt/slides/slide23.xml><?xml version="1.0" encoding="utf-8"?>
+<file path=ppt/slides/slide25.xml><?xml version="1.0" encoding="utf-8"?>
 <p:sld xmlns:a="http://schemas.openxmlformats.org/drawingml/2006/main" xmlns:r="http://schemas.openxmlformats.org/officeDocument/2006/relationships" xmlns:p="http://schemas.openxmlformats.org/presentationml/2006/main">
   <p:cSld>
     <p:spTree>
@@ -12043,7 +13790,7 @@
 </p:sld>
 </file>
 
-<file path=ppt/slides/slide24.xml><?xml version="1.0" encoding="utf-8"?>
+<file path=ppt/slides/slide26.xml><?xml version="1.0" encoding="utf-8"?>
 <p:sld xmlns:a="http://schemas.openxmlformats.org/drawingml/2006/main" xmlns:r="http://schemas.openxmlformats.org/officeDocument/2006/relationships" xmlns:p="http://schemas.openxmlformats.org/presentationml/2006/main">
   <p:cSld>
     <p:spTree>
@@ -12195,7 +13942,7 @@
 </p:sld>
 </file>
 
-<file path=ppt/slides/slide25.xml><?xml version="1.0" encoding="utf-8"?>
+<file path=ppt/slides/slide27.xml><?xml version="1.0" encoding="utf-8"?>
 <p:sld xmlns:a="http://schemas.openxmlformats.org/drawingml/2006/main" xmlns:r="http://schemas.openxmlformats.org/officeDocument/2006/relationships" xmlns:p="http://schemas.openxmlformats.org/presentationml/2006/main">
   <p:cSld>
     <p:spTree>
@@ -12283,6 +14030,186 @@
           <p:cNvPr id="5" name="Picture 4">
             <a:extLst>
               <a:ext uri="{FF2B5EF4-FFF2-40B4-BE49-F238E27FC236}">
+                <a16:creationId xmlns:a16="http://schemas.microsoft.com/office/drawing/2014/main" id="{82AC940A-75EF-3A48-23D0-E818EFFE8A79}"/>
+              </a:ext>
+            </a:extLst>
+          </p:cNvPr>
+          <p:cNvPicPr>
+            <a:picLocks noChangeAspect="1"/>
+          </p:cNvPicPr>
+          <p:nvPr/>
+        </p:nvPicPr>
+        <p:blipFill>
+          <a:blip r:embed="rId2"/>
+          <a:stretch>
+            <a:fillRect/>
+          </a:stretch>
+        </p:blipFill>
+        <p:spPr>
+          <a:xfrm>
+            <a:off x="730230" y="298938"/>
+            <a:ext cx="10731540" cy="3851031"/>
+          </a:xfrm>
+          <a:prstGeom prst="rect">
+            <a:avLst/>
+          </a:prstGeom>
+        </p:spPr>
+      </p:pic>
+      <p:pic>
+        <p:nvPicPr>
+          <p:cNvPr id="7" name="Picture 6">
+            <a:extLst>
+              <a:ext uri="{FF2B5EF4-FFF2-40B4-BE49-F238E27FC236}">
+                <a16:creationId xmlns:a16="http://schemas.microsoft.com/office/drawing/2014/main" id="{8901576D-9D10-B559-3F5F-291D05E50A0D}"/>
+              </a:ext>
+            </a:extLst>
+          </p:cNvPr>
+          <p:cNvPicPr>
+            <a:picLocks noChangeAspect="1"/>
+          </p:cNvPicPr>
+          <p:nvPr/>
+        </p:nvPicPr>
+        <p:blipFill>
+          <a:blip r:embed="rId3"/>
+          <a:stretch>
+            <a:fillRect/>
+          </a:stretch>
+        </p:blipFill>
+        <p:spPr>
+          <a:xfrm>
+            <a:off x="4204188" y="3866416"/>
+            <a:ext cx="4152020" cy="1004521"/>
+          </a:xfrm>
+          <a:prstGeom prst="rect">
+            <a:avLst/>
+          </a:prstGeom>
+        </p:spPr>
+      </p:pic>
+      <p:pic>
+        <p:nvPicPr>
+          <p:cNvPr id="9" name="Picture 8">
+            <a:extLst>
+              <a:ext uri="{FF2B5EF4-FFF2-40B4-BE49-F238E27FC236}">
+                <a16:creationId xmlns:a16="http://schemas.microsoft.com/office/drawing/2014/main" id="{3B3C294E-7DB3-AB5E-1DFC-B721F39A22DE}"/>
+              </a:ext>
+            </a:extLst>
+          </p:cNvPr>
+          <p:cNvPicPr>
+            <a:picLocks noChangeAspect="1"/>
+          </p:cNvPicPr>
+          <p:nvPr/>
+        </p:nvPicPr>
+        <p:blipFill>
+          <a:blip r:embed="rId4"/>
+          <a:stretch>
+            <a:fillRect/>
+          </a:stretch>
+        </p:blipFill>
+        <p:spPr>
+          <a:xfrm>
+            <a:off x="970592" y="5554542"/>
+            <a:ext cx="10619211" cy="1004520"/>
+          </a:xfrm>
+          <a:prstGeom prst="rect">
+            <a:avLst/>
+          </a:prstGeom>
+        </p:spPr>
+      </p:pic>
+    </p:spTree>
+    <p:extLst>
+      <p:ext uri="{BB962C8B-B14F-4D97-AF65-F5344CB8AC3E}">
+        <p14:creationId xmlns:p14="http://schemas.microsoft.com/office/powerpoint/2010/main" val="2917806741"/>
+      </p:ext>
+    </p:extLst>
+  </p:cSld>
+  <p:clrMapOvr>
+    <a:masterClrMapping/>
+  </p:clrMapOvr>
+</p:sld>
+</file>
+
+<file path=ppt/slides/slide4.xml><?xml version="1.0" encoding="utf-8"?>
+<p:sld xmlns:a="http://schemas.openxmlformats.org/drawingml/2006/main" xmlns:r="http://schemas.openxmlformats.org/officeDocument/2006/relationships" xmlns:p="http://schemas.openxmlformats.org/presentationml/2006/main">
+  <p:cSld>
+    <p:spTree>
+      <p:nvGrpSpPr>
+        <p:cNvPr id="1" name=""/>
+        <p:cNvGrpSpPr/>
+        <p:nvPr/>
+      </p:nvGrpSpPr>
+      <p:grpSpPr>
+        <a:xfrm>
+          <a:off x="0" y="0"/>
+          <a:ext cx="0" cy="0"/>
+          <a:chOff x="0" y="0"/>
+          <a:chExt cx="0" cy="0"/>
+        </a:xfrm>
+      </p:grpSpPr>
+      <p:pic>
+        <p:nvPicPr>
+          <p:cNvPr id="33" name="Picture 32">
+            <a:extLst>
+              <a:ext uri="{FF2B5EF4-FFF2-40B4-BE49-F238E27FC236}">
+                <a16:creationId xmlns:a16="http://schemas.microsoft.com/office/drawing/2014/main" id="{D9ABC69E-4DE7-BF10-DC98-C9A641BDA8B1}"/>
+              </a:ext>
+            </a:extLst>
+          </p:cNvPr>
+          <p:cNvPicPr>
+            <a:picLocks noChangeAspect="1"/>
+          </p:cNvPicPr>
+          <p:nvPr/>
+        </p:nvPicPr>
+        <p:blipFill>
+          <a:blip r:embed="rId2"/>
+          <a:stretch>
+            <a:fillRect/>
+          </a:stretch>
+        </p:blipFill>
+        <p:spPr>
+          <a:xfrm>
+            <a:off x="0" y="-1"/>
+            <a:ext cx="12192000" cy="7010219"/>
+          </a:xfrm>
+          <a:prstGeom prst="rect">
+            <a:avLst/>
+          </a:prstGeom>
+        </p:spPr>
+      </p:pic>
+    </p:spTree>
+    <p:extLst>
+      <p:ext uri="{BB962C8B-B14F-4D97-AF65-F5344CB8AC3E}">
+        <p14:creationId xmlns:p14="http://schemas.microsoft.com/office/powerpoint/2010/main" val="1330005976"/>
+      </p:ext>
+    </p:extLst>
+  </p:cSld>
+  <p:clrMapOvr>
+    <a:masterClrMapping/>
+  </p:clrMapOvr>
+</p:sld>
+</file>
+
+<file path=ppt/slides/slide5.xml><?xml version="1.0" encoding="utf-8"?>
+<p:sld xmlns:a="http://schemas.openxmlformats.org/drawingml/2006/main" xmlns:r="http://schemas.openxmlformats.org/officeDocument/2006/relationships" xmlns:p="http://schemas.openxmlformats.org/presentationml/2006/main">
+  <p:cSld>
+    <p:spTree>
+      <p:nvGrpSpPr>
+        <p:cNvPr id="1" name=""/>
+        <p:cNvGrpSpPr/>
+        <p:nvPr/>
+      </p:nvGrpSpPr>
+      <p:grpSpPr>
+        <a:xfrm>
+          <a:off x="0" y="0"/>
+          <a:ext cx="0" cy="0"/>
+          <a:chOff x="0" y="0"/>
+          <a:chExt cx="0" cy="0"/>
+        </a:xfrm>
+      </p:grpSpPr>
+      <p:pic>
+        <p:nvPicPr>
+          <p:cNvPr id="5" name="Picture 4">
+            <a:extLst>
+              <a:ext uri="{FF2B5EF4-FFF2-40B4-BE49-F238E27FC236}">
                 <a16:creationId xmlns:a16="http://schemas.microsoft.com/office/drawing/2014/main" id="{73F8E007-F63B-1939-7817-EE85927A761E}"/>
               </a:ext>
             </a:extLst>
@@ -12975,7 +14902,7 @@
 </p:sld>
 </file>
 
-<file path=ppt/slides/slide4.xml><?xml version="1.0" encoding="utf-8"?>
+<file path=ppt/slides/slide6.xml><?xml version="1.0" encoding="utf-8"?>
 <p:sld xmlns:a="http://schemas.openxmlformats.org/drawingml/2006/main" xmlns:r="http://schemas.openxmlformats.org/officeDocument/2006/relationships" xmlns:p="http://schemas.openxmlformats.org/presentationml/2006/main">
   <p:cSld>
     <p:spTree>
@@ -13691,7 +15618,7 @@
 </p:sld>
 </file>
 
-<file path=ppt/slides/slide5.xml><?xml version="1.0" encoding="utf-8"?>
+<file path=ppt/slides/slide7.xml><?xml version="1.0" encoding="utf-8"?>
 <p:sld xmlns:a="http://schemas.openxmlformats.org/drawingml/2006/main" xmlns:r="http://schemas.openxmlformats.org/officeDocument/2006/relationships" xmlns:p="http://schemas.openxmlformats.org/presentationml/2006/main">
   <p:cSld>
     <p:spTree>
@@ -14162,7 +16089,7 @@
 </p:sld>
 </file>
 
-<file path=ppt/slides/slide6.xml><?xml version="1.0" encoding="utf-8"?>
+<file path=ppt/slides/slide8.xml><?xml version="1.0" encoding="utf-8"?>
 <p:sld xmlns:a="http://schemas.openxmlformats.org/drawingml/2006/main" xmlns:r="http://schemas.openxmlformats.org/officeDocument/2006/relationships" xmlns:p="http://schemas.openxmlformats.org/presentationml/2006/main">
   <p:cSld>
     <p:spTree>
@@ -14731,7 +16658,7 @@
 </p:sld>
 </file>
 
-<file path=ppt/slides/slide7.xml><?xml version="1.0" encoding="utf-8"?>
+<file path=ppt/slides/slide9.xml><?xml version="1.0" encoding="utf-8"?>
 <p:sld xmlns:a="http://schemas.openxmlformats.org/drawingml/2006/main" xmlns:r="http://schemas.openxmlformats.org/officeDocument/2006/relationships" xmlns:p="http://schemas.openxmlformats.org/presentationml/2006/main">
   <p:cSld>
     <p:spTree>
@@ -15300,1564 +17227,6 @@
     <p:extLst>
       <p:ext uri="{BB962C8B-B14F-4D97-AF65-F5344CB8AC3E}">
         <p14:creationId xmlns:p14="http://schemas.microsoft.com/office/powerpoint/2010/main" val="170204479"/>
-      </p:ext>
-    </p:extLst>
-  </p:cSld>
-  <p:clrMapOvr>
-    <a:masterClrMapping/>
-  </p:clrMapOvr>
-</p:sld>
-</file>
-
-<file path=ppt/slides/slide8.xml><?xml version="1.0" encoding="utf-8"?>
-<p:sld xmlns:a="http://schemas.openxmlformats.org/drawingml/2006/main" xmlns:r="http://schemas.openxmlformats.org/officeDocument/2006/relationships" xmlns:p="http://schemas.openxmlformats.org/presentationml/2006/main">
-  <p:cSld>
-    <p:spTree>
-      <p:nvGrpSpPr>
-        <p:cNvPr id="1" name="">
-          <a:extLst>
-            <a:ext uri="{FF2B5EF4-FFF2-40B4-BE49-F238E27FC236}">
-              <a16:creationId xmlns:a16="http://schemas.microsoft.com/office/drawing/2014/main" id="{6AB7DA6E-A75B-70E2-CB79-FAB5C3302D3E}"/>
-            </a:ext>
-          </a:extLst>
-        </p:cNvPr>
-        <p:cNvGrpSpPr/>
-        <p:nvPr/>
-      </p:nvGrpSpPr>
-      <p:grpSpPr>
-        <a:xfrm>
-          <a:off x="0" y="0"/>
-          <a:ext cx="0" cy="0"/>
-          <a:chOff x="0" y="0"/>
-          <a:chExt cx="0" cy="0"/>
-        </a:xfrm>
-      </p:grpSpPr>
-      <p:pic>
-        <p:nvPicPr>
-          <p:cNvPr id="3" name="Picture 2">
-            <a:extLst>
-              <a:ext uri="{FF2B5EF4-FFF2-40B4-BE49-F238E27FC236}">
-                <a16:creationId xmlns:a16="http://schemas.microsoft.com/office/drawing/2014/main" id="{3D2AEA0A-371D-04E5-558F-F2C71C1B1EE0}"/>
-              </a:ext>
-            </a:extLst>
-          </p:cNvPr>
-          <p:cNvPicPr>
-            <a:picLocks noChangeAspect="1"/>
-          </p:cNvPicPr>
-          <p:nvPr/>
-        </p:nvPicPr>
-        <p:blipFill>
-          <a:blip r:embed="rId2"/>
-          <a:stretch>
-            <a:fillRect/>
-          </a:stretch>
-        </p:blipFill>
-        <p:spPr>
-          <a:xfrm>
-            <a:off x="2934615" y="0"/>
-            <a:ext cx="6322769" cy="6763892"/>
-          </a:xfrm>
-          <a:prstGeom prst="rect">
-            <a:avLst/>
-          </a:prstGeom>
-        </p:spPr>
-      </p:pic>
-      <p:cxnSp>
-        <p:nvCxnSpPr>
-          <p:cNvPr id="2" name="Straight Connector 1">
-            <a:extLst>
-              <a:ext uri="{FF2B5EF4-FFF2-40B4-BE49-F238E27FC236}">
-                <a16:creationId xmlns:a16="http://schemas.microsoft.com/office/drawing/2014/main" id="{051ED06B-FD03-7852-9BE2-F7BDA57490F7}"/>
-              </a:ext>
-            </a:extLst>
-          </p:cNvPr>
-          <p:cNvCxnSpPr>
-            <a:cxnSpLocks/>
-          </p:cNvCxnSpPr>
-          <p:nvPr/>
-        </p:nvCxnSpPr>
-        <p:spPr>
-          <a:xfrm>
-            <a:off x="5023155" y="971183"/>
-            <a:ext cx="4032922" cy="0"/>
-          </a:xfrm>
-          <a:prstGeom prst="line">
-            <a:avLst/>
-          </a:prstGeom>
-          <a:ln w="57150">
-            <a:solidFill>
-              <a:srgbClr val="FF0000"/>
-            </a:solidFill>
-          </a:ln>
-        </p:spPr>
-        <p:style>
-          <a:lnRef idx="1">
-            <a:schemeClr val="accent1"/>
-          </a:lnRef>
-          <a:fillRef idx="0">
-            <a:schemeClr val="accent1"/>
-          </a:fillRef>
-          <a:effectRef idx="0">
-            <a:schemeClr val="accent1"/>
-          </a:effectRef>
-          <a:fontRef idx="minor">
-            <a:schemeClr val="tx1"/>
-          </a:fontRef>
-        </p:style>
-      </p:cxnSp>
-      <p:cxnSp>
-        <p:nvCxnSpPr>
-          <p:cNvPr id="5" name="Straight Connector 4">
-            <a:extLst>
-              <a:ext uri="{FF2B5EF4-FFF2-40B4-BE49-F238E27FC236}">
-                <a16:creationId xmlns:a16="http://schemas.microsoft.com/office/drawing/2014/main" id="{6B899338-A6EE-AD59-D637-69794A1CC827}"/>
-              </a:ext>
-            </a:extLst>
-          </p:cNvPr>
-          <p:cNvCxnSpPr>
-            <a:cxnSpLocks/>
-          </p:cNvCxnSpPr>
-          <p:nvPr/>
-        </p:nvCxnSpPr>
-        <p:spPr>
-          <a:xfrm>
-            <a:off x="3188493" y="1422522"/>
-            <a:ext cx="5867584" cy="0"/>
-          </a:xfrm>
-          <a:prstGeom prst="line">
-            <a:avLst/>
-          </a:prstGeom>
-          <a:ln w="57150">
-            <a:solidFill>
-              <a:srgbClr val="FF0000"/>
-            </a:solidFill>
-          </a:ln>
-        </p:spPr>
-        <p:style>
-          <a:lnRef idx="1">
-            <a:schemeClr val="accent1"/>
-          </a:lnRef>
-          <a:fillRef idx="0">
-            <a:schemeClr val="accent1"/>
-          </a:fillRef>
-          <a:effectRef idx="0">
-            <a:schemeClr val="accent1"/>
-          </a:effectRef>
-          <a:fontRef idx="minor">
-            <a:schemeClr val="tx1"/>
-          </a:fontRef>
-        </p:style>
-      </p:cxnSp>
-      <p:cxnSp>
-        <p:nvCxnSpPr>
-          <p:cNvPr id="7" name="Straight Connector 6">
-            <a:extLst>
-              <a:ext uri="{FF2B5EF4-FFF2-40B4-BE49-F238E27FC236}">
-                <a16:creationId xmlns:a16="http://schemas.microsoft.com/office/drawing/2014/main" id="{2653C83E-D001-16CA-530D-AB1EEBC055BB}"/>
-              </a:ext>
-            </a:extLst>
-          </p:cNvPr>
-          <p:cNvCxnSpPr>
-            <a:cxnSpLocks/>
-          </p:cNvCxnSpPr>
-          <p:nvPr/>
-        </p:nvCxnSpPr>
-        <p:spPr>
-          <a:xfrm>
-            <a:off x="3162208" y="1909030"/>
-            <a:ext cx="1128438" cy="0"/>
-          </a:xfrm>
-          <a:prstGeom prst="line">
-            <a:avLst/>
-          </a:prstGeom>
-          <a:ln w="57150">
-            <a:solidFill>
-              <a:srgbClr val="FF0000"/>
-            </a:solidFill>
-          </a:ln>
-        </p:spPr>
-        <p:style>
-          <a:lnRef idx="1">
-            <a:schemeClr val="accent1"/>
-          </a:lnRef>
-          <a:fillRef idx="0">
-            <a:schemeClr val="accent1"/>
-          </a:fillRef>
-          <a:effectRef idx="0">
-            <a:schemeClr val="accent1"/>
-          </a:effectRef>
-          <a:fontRef idx="minor">
-            <a:schemeClr val="tx1"/>
-          </a:fontRef>
-        </p:style>
-      </p:cxnSp>
-      <p:cxnSp>
-        <p:nvCxnSpPr>
-          <p:cNvPr id="9" name="Straight Connector 8">
-            <a:extLst>
-              <a:ext uri="{FF2B5EF4-FFF2-40B4-BE49-F238E27FC236}">
-                <a16:creationId xmlns:a16="http://schemas.microsoft.com/office/drawing/2014/main" id="{B9402B80-6129-AF98-FBE4-B59249035E7A}"/>
-              </a:ext>
-            </a:extLst>
-          </p:cNvPr>
-          <p:cNvCxnSpPr>
-            <a:cxnSpLocks/>
-          </p:cNvCxnSpPr>
-          <p:nvPr/>
-        </p:nvCxnSpPr>
-        <p:spPr>
-          <a:xfrm>
-            <a:off x="5275200" y="2805845"/>
-            <a:ext cx="2778553" cy="0"/>
-          </a:xfrm>
-          <a:prstGeom prst="line">
-            <a:avLst/>
-          </a:prstGeom>
-          <a:ln w="57150">
-            <a:solidFill>
-              <a:srgbClr val="FF0000"/>
-            </a:solidFill>
-          </a:ln>
-        </p:spPr>
-        <p:style>
-          <a:lnRef idx="1">
-            <a:schemeClr val="accent1"/>
-          </a:lnRef>
-          <a:fillRef idx="0">
-            <a:schemeClr val="accent1"/>
-          </a:fillRef>
-          <a:effectRef idx="0">
-            <a:schemeClr val="accent1"/>
-          </a:effectRef>
-          <a:fontRef idx="minor">
-            <a:schemeClr val="tx1"/>
-          </a:fontRef>
-        </p:style>
-      </p:cxnSp>
-      <p:cxnSp>
-        <p:nvCxnSpPr>
-          <p:cNvPr id="11" name="Straight Connector 10">
-            <a:extLst>
-              <a:ext uri="{FF2B5EF4-FFF2-40B4-BE49-F238E27FC236}">
-                <a16:creationId xmlns:a16="http://schemas.microsoft.com/office/drawing/2014/main" id="{0EB18D25-0D79-FCF4-B9DC-F020CC012A52}"/>
-              </a:ext>
-            </a:extLst>
-          </p:cNvPr>
-          <p:cNvCxnSpPr>
-            <a:cxnSpLocks/>
-          </p:cNvCxnSpPr>
-          <p:nvPr/>
-        </p:nvCxnSpPr>
-        <p:spPr>
-          <a:xfrm>
-            <a:off x="7754815" y="3263045"/>
-            <a:ext cx="1301262" cy="0"/>
-          </a:xfrm>
-          <a:prstGeom prst="line">
-            <a:avLst/>
-          </a:prstGeom>
-          <a:ln w="57150">
-            <a:solidFill>
-              <a:srgbClr val="FF0000"/>
-            </a:solidFill>
-          </a:ln>
-        </p:spPr>
-        <p:style>
-          <a:lnRef idx="1">
-            <a:schemeClr val="accent1"/>
-          </a:lnRef>
-          <a:fillRef idx="0">
-            <a:schemeClr val="accent1"/>
-          </a:fillRef>
-          <a:effectRef idx="0">
-            <a:schemeClr val="accent1"/>
-          </a:effectRef>
-          <a:fontRef idx="minor">
-            <a:schemeClr val="tx1"/>
-          </a:fontRef>
-        </p:style>
-      </p:cxnSp>
-      <p:cxnSp>
-        <p:nvCxnSpPr>
-          <p:cNvPr id="13" name="Straight Connector 12">
-            <a:extLst>
-              <a:ext uri="{FF2B5EF4-FFF2-40B4-BE49-F238E27FC236}">
-                <a16:creationId xmlns:a16="http://schemas.microsoft.com/office/drawing/2014/main" id="{62663699-9BC0-57D4-56BB-5343D2096F12}"/>
-              </a:ext>
-            </a:extLst>
-          </p:cNvPr>
-          <p:cNvCxnSpPr>
-            <a:cxnSpLocks/>
-          </p:cNvCxnSpPr>
-          <p:nvPr/>
-        </p:nvCxnSpPr>
-        <p:spPr>
-          <a:xfrm>
-            <a:off x="3162208" y="3772999"/>
-            <a:ext cx="2236269" cy="0"/>
-          </a:xfrm>
-          <a:prstGeom prst="line">
-            <a:avLst/>
-          </a:prstGeom>
-          <a:ln w="57150">
-            <a:solidFill>
-              <a:srgbClr val="FF0000"/>
-            </a:solidFill>
-          </a:ln>
-        </p:spPr>
-        <p:style>
-          <a:lnRef idx="1">
-            <a:schemeClr val="accent1"/>
-          </a:lnRef>
-          <a:fillRef idx="0">
-            <a:schemeClr val="accent1"/>
-          </a:fillRef>
-          <a:effectRef idx="0">
-            <a:schemeClr val="accent1"/>
-          </a:effectRef>
-          <a:fontRef idx="minor">
-            <a:schemeClr val="tx1"/>
-          </a:fontRef>
-        </p:style>
-      </p:cxnSp>
-      <p:cxnSp>
-        <p:nvCxnSpPr>
-          <p:cNvPr id="15" name="Straight Connector 14">
-            <a:extLst>
-              <a:ext uri="{FF2B5EF4-FFF2-40B4-BE49-F238E27FC236}">
-                <a16:creationId xmlns:a16="http://schemas.microsoft.com/office/drawing/2014/main" id="{37743C29-B34B-27D4-0BF6-520F16F36CFA}"/>
-              </a:ext>
-            </a:extLst>
-          </p:cNvPr>
-          <p:cNvCxnSpPr>
-            <a:cxnSpLocks/>
-          </p:cNvCxnSpPr>
-          <p:nvPr/>
-        </p:nvCxnSpPr>
-        <p:spPr>
-          <a:xfrm>
-            <a:off x="6260123" y="3772999"/>
-            <a:ext cx="2795954" cy="0"/>
-          </a:xfrm>
-          <a:prstGeom prst="line">
-            <a:avLst/>
-          </a:prstGeom>
-          <a:ln w="57150">
-            <a:solidFill>
-              <a:srgbClr val="FF0000"/>
-            </a:solidFill>
-          </a:ln>
-        </p:spPr>
-        <p:style>
-          <a:lnRef idx="1">
-            <a:schemeClr val="accent1"/>
-          </a:lnRef>
-          <a:fillRef idx="0">
-            <a:schemeClr val="accent1"/>
-          </a:fillRef>
-          <a:effectRef idx="0">
-            <a:schemeClr val="accent1"/>
-          </a:effectRef>
-          <a:fontRef idx="minor">
-            <a:schemeClr val="tx1"/>
-          </a:fontRef>
-        </p:style>
-      </p:cxnSp>
-      <p:cxnSp>
-        <p:nvCxnSpPr>
-          <p:cNvPr id="17" name="Straight Connector 16">
-            <a:extLst>
-              <a:ext uri="{FF2B5EF4-FFF2-40B4-BE49-F238E27FC236}">
-                <a16:creationId xmlns:a16="http://schemas.microsoft.com/office/drawing/2014/main" id="{963CEF75-52D9-461E-261C-CD1BD2DE2995}"/>
-              </a:ext>
-            </a:extLst>
-          </p:cNvPr>
-          <p:cNvCxnSpPr>
-            <a:cxnSpLocks/>
-          </p:cNvCxnSpPr>
-          <p:nvPr/>
-        </p:nvCxnSpPr>
-        <p:spPr>
-          <a:xfrm>
-            <a:off x="5398477" y="4241922"/>
-            <a:ext cx="3657600" cy="0"/>
-          </a:xfrm>
-          <a:prstGeom prst="line">
-            <a:avLst/>
-          </a:prstGeom>
-          <a:ln w="57150">
-            <a:solidFill>
-              <a:srgbClr val="FF0000"/>
-            </a:solidFill>
-          </a:ln>
-        </p:spPr>
-        <p:style>
-          <a:lnRef idx="1">
-            <a:schemeClr val="accent1"/>
-          </a:lnRef>
-          <a:fillRef idx="0">
-            <a:schemeClr val="accent1"/>
-          </a:fillRef>
-          <a:effectRef idx="0">
-            <a:schemeClr val="accent1"/>
-          </a:effectRef>
-          <a:fontRef idx="minor">
-            <a:schemeClr val="tx1"/>
-          </a:fontRef>
-        </p:style>
-      </p:cxnSp>
-      <p:cxnSp>
-        <p:nvCxnSpPr>
-          <p:cNvPr id="19" name="Straight Connector 18">
-            <a:extLst>
-              <a:ext uri="{FF2B5EF4-FFF2-40B4-BE49-F238E27FC236}">
-                <a16:creationId xmlns:a16="http://schemas.microsoft.com/office/drawing/2014/main" id="{8461F83E-D271-EF23-D253-D5F2D0394E8E}"/>
-              </a:ext>
-            </a:extLst>
-          </p:cNvPr>
-          <p:cNvCxnSpPr>
-            <a:cxnSpLocks/>
-          </p:cNvCxnSpPr>
-          <p:nvPr/>
-        </p:nvCxnSpPr>
-        <p:spPr>
-          <a:xfrm>
-            <a:off x="3162208" y="4658092"/>
-            <a:ext cx="3256177" cy="0"/>
-          </a:xfrm>
-          <a:prstGeom prst="line">
-            <a:avLst/>
-          </a:prstGeom>
-          <a:ln w="57150">
-            <a:solidFill>
-              <a:srgbClr val="FF0000"/>
-            </a:solidFill>
-          </a:ln>
-        </p:spPr>
-        <p:style>
-          <a:lnRef idx="1">
-            <a:schemeClr val="accent1"/>
-          </a:lnRef>
-          <a:fillRef idx="0">
-            <a:schemeClr val="accent1"/>
-          </a:fillRef>
-          <a:effectRef idx="0">
-            <a:schemeClr val="accent1"/>
-          </a:effectRef>
-          <a:fontRef idx="minor">
-            <a:schemeClr val="tx1"/>
-          </a:fontRef>
-        </p:style>
-      </p:cxnSp>
-      <p:cxnSp>
-        <p:nvCxnSpPr>
-          <p:cNvPr id="21" name="Straight Connector 20">
-            <a:extLst>
-              <a:ext uri="{FF2B5EF4-FFF2-40B4-BE49-F238E27FC236}">
-                <a16:creationId xmlns:a16="http://schemas.microsoft.com/office/drawing/2014/main" id="{7F4EE096-B47A-D2F5-4C51-515D749C0619}"/>
-              </a:ext>
-            </a:extLst>
-          </p:cNvPr>
-          <p:cNvCxnSpPr>
-            <a:cxnSpLocks/>
-          </p:cNvCxnSpPr>
-          <p:nvPr/>
-        </p:nvCxnSpPr>
-        <p:spPr>
-          <a:xfrm>
-            <a:off x="6711461" y="4673845"/>
-            <a:ext cx="2344616" cy="0"/>
-          </a:xfrm>
-          <a:prstGeom prst="line">
-            <a:avLst/>
-          </a:prstGeom>
-          <a:ln w="57150">
-            <a:solidFill>
-              <a:srgbClr val="FF0000"/>
-            </a:solidFill>
-          </a:ln>
-        </p:spPr>
-        <p:style>
-          <a:lnRef idx="1">
-            <a:schemeClr val="accent1"/>
-          </a:lnRef>
-          <a:fillRef idx="0">
-            <a:schemeClr val="accent1"/>
-          </a:fillRef>
-          <a:effectRef idx="0">
-            <a:schemeClr val="accent1"/>
-          </a:effectRef>
-          <a:fontRef idx="minor">
-            <a:schemeClr val="tx1"/>
-          </a:fontRef>
-        </p:style>
-      </p:cxnSp>
-      <p:cxnSp>
-        <p:nvCxnSpPr>
-          <p:cNvPr id="23" name="Straight Connector 22">
-            <a:extLst>
-              <a:ext uri="{FF2B5EF4-FFF2-40B4-BE49-F238E27FC236}">
-                <a16:creationId xmlns:a16="http://schemas.microsoft.com/office/drawing/2014/main" id="{F865F882-54DC-4070-4AED-2DA5D9593F13}"/>
-              </a:ext>
-            </a:extLst>
-          </p:cNvPr>
-          <p:cNvCxnSpPr>
-            <a:cxnSpLocks/>
-          </p:cNvCxnSpPr>
-          <p:nvPr/>
-        </p:nvCxnSpPr>
-        <p:spPr>
-          <a:xfrm>
-            <a:off x="3162208" y="5168046"/>
-            <a:ext cx="5770777" cy="0"/>
-          </a:xfrm>
-          <a:prstGeom prst="line">
-            <a:avLst/>
-          </a:prstGeom>
-          <a:ln w="57150">
-            <a:solidFill>
-              <a:srgbClr val="FF0000"/>
-            </a:solidFill>
-          </a:ln>
-        </p:spPr>
-        <p:style>
-          <a:lnRef idx="1">
-            <a:schemeClr val="accent1"/>
-          </a:lnRef>
-          <a:fillRef idx="0">
-            <a:schemeClr val="accent1"/>
-          </a:fillRef>
-          <a:effectRef idx="0">
-            <a:schemeClr val="accent1"/>
-          </a:effectRef>
-          <a:fontRef idx="minor">
-            <a:schemeClr val="tx1"/>
-          </a:fontRef>
-        </p:style>
-      </p:cxnSp>
-      <p:cxnSp>
-        <p:nvCxnSpPr>
-          <p:cNvPr id="25" name="Straight Connector 24">
-            <a:extLst>
-              <a:ext uri="{FF2B5EF4-FFF2-40B4-BE49-F238E27FC236}">
-                <a16:creationId xmlns:a16="http://schemas.microsoft.com/office/drawing/2014/main" id="{B08B4447-4F68-DBC5-9814-419A5DBCC46E}"/>
-              </a:ext>
-            </a:extLst>
-          </p:cNvPr>
-          <p:cNvCxnSpPr>
-            <a:cxnSpLocks/>
-          </p:cNvCxnSpPr>
-          <p:nvPr/>
-        </p:nvCxnSpPr>
-        <p:spPr>
-          <a:xfrm>
-            <a:off x="3162208" y="5636969"/>
-            <a:ext cx="4495892" cy="0"/>
-          </a:xfrm>
-          <a:prstGeom prst="line">
-            <a:avLst/>
-          </a:prstGeom>
-          <a:ln w="57150">
-            <a:solidFill>
-              <a:srgbClr val="FF0000"/>
-            </a:solidFill>
-          </a:ln>
-        </p:spPr>
-        <p:style>
-          <a:lnRef idx="1">
-            <a:schemeClr val="accent1"/>
-          </a:lnRef>
-          <a:fillRef idx="0">
-            <a:schemeClr val="accent1"/>
-          </a:fillRef>
-          <a:effectRef idx="0">
-            <a:schemeClr val="accent1"/>
-          </a:effectRef>
-          <a:fontRef idx="minor">
-            <a:schemeClr val="tx1"/>
-          </a:fontRef>
-        </p:style>
-      </p:cxnSp>
-      <p:sp>
-        <p:nvSpPr>
-          <p:cNvPr id="27" name="Rectangle 26">
-            <a:extLst>
-              <a:ext uri="{FF2B5EF4-FFF2-40B4-BE49-F238E27FC236}">
-                <a16:creationId xmlns:a16="http://schemas.microsoft.com/office/drawing/2014/main" id="{1488A286-B13F-67C3-B833-C6A3025B500E}"/>
-              </a:ext>
-            </a:extLst>
-          </p:cNvPr>
-          <p:cNvSpPr/>
-          <p:nvPr/>
-        </p:nvSpPr>
-        <p:spPr>
-          <a:xfrm>
-            <a:off x="3162208" y="3355324"/>
-            <a:ext cx="2236269" cy="470421"/>
-          </a:xfrm>
-          <a:prstGeom prst="rect">
-            <a:avLst/>
-          </a:prstGeom>
-          <a:noFill/>
-          <a:ln w="76200">
-            <a:solidFill>
-              <a:srgbClr val="FF0000"/>
-            </a:solidFill>
-          </a:ln>
-        </p:spPr>
-        <p:style>
-          <a:lnRef idx="2">
-            <a:schemeClr val="accent1">
-              <a:shade val="15000"/>
-            </a:schemeClr>
-          </a:lnRef>
-          <a:fillRef idx="1">
-            <a:schemeClr val="accent1"/>
-          </a:fillRef>
-          <a:effectRef idx="0">
-            <a:schemeClr val="accent1"/>
-          </a:effectRef>
-          <a:fontRef idx="minor">
-            <a:schemeClr val="lt1"/>
-          </a:fontRef>
-        </p:style>
-        <p:txBody>
-          <a:bodyPr rtlCol="0" anchor="ctr"/>
-          <a:lstStyle/>
-          <a:p>
-            <a:pPr algn="ctr"/>
-            <a:endParaRPr lang="es-PE"/>
-          </a:p>
-        </p:txBody>
-      </p:sp>
-      <p:sp>
-        <p:nvSpPr>
-          <p:cNvPr id="28" name="Rectangle 27">
-            <a:extLst>
-              <a:ext uri="{FF2B5EF4-FFF2-40B4-BE49-F238E27FC236}">
-                <a16:creationId xmlns:a16="http://schemas.microsoft.com/office/drawing/2014/main" id="{4EB26C24-2387-BBCF-E2C6-BDB2E5E741EC}"/>
-              </a:ext>
-            </a:extLst>
-          </p:cNvPr>
-          <p:cNvSpPr/>
-          <p:nvPr/>
-        </p:nvSpPr>
-        <p:spPr>
-          <a:xfrm>
-            <a:off x="4554415" y="4267200"/>
-            <a:ext cx="2042654" cy="449164"/>
-          </a:xfrm>
-          <a:prstGeom prst="rect">
-            <a:avLst/>
-          </a:prstGeom>
-          <a:noFill/>
-          <a:ln w="76200">
-            <a:solidFill>
-              <a:srgbClr val="FF0000"/>
-            </a:solidFill>
-          </a:ln>
-        </p:spPr>
-        <p:style>
-          <a:lnRef idx="2">
-            <a:schemeClr val="accent1">
-              <a:shade val="15000"/>
-            </a:schemeClr>
-          </a:lnRef>
-          <a:fillRef idx="1">
-            <a:schemeClr val="accent1"/>
-          </a:fillRef>
-          <a:effectRef idx="0">
-            <a:schemeClr val="accent1"/>
-          </a:effectRef>
-          <a:fontRef idx="minor">
-            <a:schemeClr val="lt1"/>
-          </a:fontRef>
-        </p:style>
-        <p:txBody>
-          <a:bodyPr rtlCol="0" anchor="ctr"/>
-          <a:lstStyle/>
-          <a:p>
-            <a:pPr algn="ctr"/>
-            <a:endParaRPr lang="es-PE"/>
-          </a:p>
-        </p:txBody>
-      </p:sp>
-      <p:sp>
-        <p:nvSpPr>
-          <p:cNvPr id="29" name="Rectangle 28">
-            <a:extLst>
-              <a:ext uri="{FF2B5EF4-FFF2-40B4-BE49-F238E27FC236}">
-                <a16:creationId xmlns:a16="http://schemas.microsoft.com/office/drawing/2014/main" id="{A0988C6D-712B-EDF1-B82C-0CA6D6B53A5C}"/>
-              </a:ext>
-            </a:extLst>
-          </p:cNvPr>
-          <p:cNvSpPr/>
-          <p:nvPr/>
-        </p:nvSpPr>
-        <p:spPr>
-          <a:xfrm>
-            <a:off x="6664476" y="4282953"/>
-            <a:ext cx="1373709" cy="449164"/>
-          </a:xfrm>
-          <a:prstGeom prst="rect">
-            <a:avLst/>
-          </a:prstGeom>
-          <a:noFill/>
-          <a:ln w="76200">
-            <a:solidFill>
-              <a:srgbClr val="FF0000"/>
-            </a:solidFill>
-          </a:ln>
-        </p:spPr>
-        <p:style>
-          <a:lnRef idx="2">
-            <a:schemeClr val="accent1">
-              <a:shade val="15000"/>
-            </a:schemeClr>
-          </a:lnRef>
-          <a:fillRef idx="1">
-            <a:schemeClr val="accent1"/>
-          </a:fillRef>
-          <a:effectRef idx="0">
-            <a:schemeClr val="accent1"/>
-          </a:effectRef>
-          <a:fontRef idx="minor">
-            <a:schemeClr val="lt1"/>
-          </a:fontRef>
-        </p:style>
-        <p:txBody>
-          <a:bodyPr rtlCol="0" anchor="ctr"/>
-          <a:lstStyle/>
-          <a:p>
-            <a:pPr algn="ctr"/>
-            <a:endParaRPr lang="es-PE"/>
-          </a:p>
-        </p:txBody>
-      </p:sp>
-      <p:sp>
-        <p:nvSpPr>
-          <p:cNvPr id="30" name="Rectangle 29">
-            <a:extLst>
-              <a:ext uri="{FF2B5EF4-FFF2-40B4-BE49-F238E27FC236}">
-                <a16:creationId xmlns:a16="http://schemas.microsoft.com/office/drawing/2014/main" id="{CCD98B90-F379-8C90-6AB3-6198431F0429}"/>
-              </a:ext>
-            </a:extLst>
-          </p:cNvPr>
-          <p:cNvSpPr/>
-          <p:nvPr/>
-        </p:nvSpPr>
-        <p:spPr>
-          <a:xfrm>
-            <a:off x="3367500" y="5228835"/>
-            <a:ext cx="4290600" cy="449164"/>
-          </a:xfrm>
-          <a:prstGeom prst="rect">
-            <a:avLst/>
-          </a:prstGeom>
-          <a:noFill/>
-          <a:ln w="76200">
-            <a:solidFill>
-              <a:srgbClr val="FF0000"/>
-            </a:solidFill>
-          </a:ln>
-        </p:spPr>
-        <p:style>
-          <a:lnRef idx="2">
-            <a:schemeClr val="accent1">
-              <a:shade val="15000"/>
-            </a:schemeClr>
-          </a:lnRef>
-          <a:fillRef idx="1">
-            <a:schemeClr val="accent1"/>
-          </a:fillRef>
-          <a:effectRef idx="0">
-            <a:schemeClr val="accent1"/>
-          </a:effectRef>
-          <a:fontRef idx="minor">
-            <a:schemeClr val="lt1"/>
-          </a:fontRef>
-        </p:style>
-        <p:txBody>
-          <a:bodyPr rtlCol="0" anchor="ctr"/>
-          <a:lstStyle/>
-          <a:p>
-            <a:pPr algn="ctr"/>
-            <a:endParaRPr lang="es-PE"/>
-          </a:p>
-        </p:txBody>
-      </p:sp>
-      <p:cxnSp>
-        <p:nvCxnSpPr>
-          <p:cNvPr id="31" name="Straight Connector 30">
-            <a:extLst>
-              <a:ext uri="{FF2B5EF4-FFF2-40B4-BE49-F238E27FC236}">
-                <a16:creationId xmlns:a16="http://schemas.microsoft.com/office/drawing/2014/main" id="{A3E00244-E9BD-A398-D948-612401505062}"/>
-              </a:ext>
-            </a:extLst>
-          </p:cNvPr>
-          <p:cNvCxnSpPr>
-            <a:cxnSpLocks/>
-          </p:cNvCxnSpPr>
-          <p:nvPr/>
-        </p:nvCxnSpPr>
-        <p:spPr>
-          <a:xfrm>
-            <a:off x="3210611" y="6129338"/>
-            <a:ext cx="5089327" cy="0"/>
-          </a:xfrm>
-          <a:prstGeom prst="line">
-            <a:avLst/>
-          </a:prstGeom>
-          <a:ln w="57150">
-            <a:solidFill>
-              <a:srgbClr val="FF0000"/>
-            </a:solidFill>
-          </a:ln>
-        </p:spPr>
-        <p:style>
-          <a:lnRef idx="1">
-            <a:schemeClr val="accent1"/>
-          </a:lnRef>
-          <a:fillRef idx="0">
-            <a:schemeClr val="accent1"/>
-          </a:fillRef>
-          <a:effectRef idx="0">
-            <a:schemeClr val="accent1"/>
-          </a:effectRef>
-          <a:fontRef idx="minor">
-            <a:schemeClr val="tx1"/>
-          </a:fontRef>
-        </p:style>
-      </p:cxnSp>
-      <p:cxnSp>
-        <p:nvCxnSpPr>
-          <p:cNvPr id="33" name="Straight Connector 32">
-            <a:extLst>
-              <a:ext uri="{FF2B5EF4-FFF2-40B4-BE49-F238E27FC236}">
-                <a16:creationId xmlns:a16="http://schemas.microsoft.com/office/drawing/2014/main" id="{21C7439C-4D7E-09A7-BF5D-CCF7E8C4F1F5}"/>
-              </a:ext>
-            </a:extLst>
-          </p:cNvPr>
-          <p:cNvCxnSpPr>
-            <a:cxnSpLocks/>
-          </p:cNvCxnSpPr>
-          <p:nvPr/>
-        </p:nvCxnSpPr>
-        <p:spPr>
-          <a:xfrm>
-            <a:off x="8299938" y="5677999"/>
-            <a:ext cx="841794" cy="0"/>
-          </a:xfrm>
-          <a:prstGeom prst="line">
-            <a:avLst/>
-          </a:prstGeom>
-          <a:ln w="57150">
-            <a:solidFill>
-              <a:srgbClr val="FF0000"/>
-            </a:solidFill>
-          </a:ln>
-        </p:spPr>
-        <p:style>
-          <a:lnRef idx="1">
-            <a:schemeClr val="accent1"/>
-          </a:lnRef>
-          <a:fillRef idx="0">
-            <a:schemeClr val="accent1"/>
-          </a:fillRef>
-          <a:effectRef idx="0">
-            <a:schemeClr val="accent1"/>
-          </a:effectRef>
-          <a:fontRef idx="minor">
-            <a:schemeClr val="tx1"/>
-          </a:fontRef>
-        </p:style>
-      </p:cxnSp>
-      <p:cxnSp>
-        <p:nvCxnSpPr>
-          <p:cNvPr id="35" name="Straight Connector 34">
-            <a:extLst>
-              <a:ext uri="{FF2B5EF4-FFF2-40B4-BE49-F238E27FC236}">
-                <a16:creationId xmlns:a16="http://schemas.microsoft.com/office/drawing/2014/main" id="{CC9F921F-6857-AA6F-3351-7D3591707BC4}"/>
-              </a:ext>
-            </a:extLst>
-          </p:cNvPr>
-          <p:cNvCxnSpPr>
-            <a:cxnSpLocks/>
-          </p:cNvCxnSpPr>
-          <p:nvPr/>
-        </p:nvCxnSpPr>
-        <p:spPr>
-          <a:xfrm>
-            <a:off x="3162208" y="6662415"/>
-            <a:ext cx="4875977" cy="0"/>
-          </a:xfrm>
-          <a:prstGeom prst="line">
-            <a:avLst/>
-          </a:prstGeom>
-          <a:ln w="57150">
-            <a:solidFill>
-              <a:srgbClr val="FF0000"/>
-            </a:solidFill>
-          </a:ln>
-        </p:spPr>
-        <p:style>
-          <a:lnRef idx="1">
-            <a:schemeClr val="accent1"/>
-          </a:lnRef>
-          <a:fillRef idx="0">
-            <a:schemeClr val="accent1"/>
-          </a:fillRef>
-          <a:effectRef idx="0">
-            <a:schemeClr val="accent1"/>
-          </a:effectRef>
-          <a:fontRef idx="minor">
-            <a:schemeClr val="tx1"/>
-          </a:fontRef>
-        </p:style>
-      </p:cxnSp>
-    </p:spTree>
-    <p:extLst>
-      <p:ext uri="{BB962C8B-B14F-4D97-AF65-F5344CB8AC3E}">
-        <p14:creationId xmlns:p14="http://schemas.microsoft.com/office/powerpoint/2010/main" val="1882908472"/>
-      </p:ext>
-    </p:extLst>
-  </p:cSld>
-  <p:clrMapOvr>
-    <a:masterClrMapping/>
-  </p:clrMapOvr>
-</p:sld>
-</file>
-
-<file path=ppt/slides/slide9.xml><?xml version="1.0" encoding="utf-8"?>
-<p:sld xmlns:a="http://schemas.openxmlformats.org/drawingml/2006/main" xmlns:r="http://schemas.openxmlformats.org/officeDocument/2006/relationships" xmlns:p="http://schemas.openxmlformats.org/presentationml/2006/main">
-  <p:cSld>
-    <p:spTree>
-      <p:nvGrpSpPr>
-        <p:cNvPr id="1" name="">
-          <a:extLst>
-            <a:ext uri="{FF2B5EF4-FFF2-40B4-BE49-F238E27FC236}">
-              <a16:creationId xmlns:a16="http://schemas.microsoft.com/office/drawing/2014/main" id="{67787DCC-07E4-336A-9A6E-4DCCC2E23B5E}"/>
-            </a:ext>
-          </a:extLst>
-        </p:cNvPr>
-        <p:cNvGrpSpPr/>
-        <p:nvPr/>
-      </p:nvGrpSpPr>
-      <p:grpSpPr>
-        <a:xfrm>
-          <a:off x="0" y="0"/>
-          <a:ext cx="0" cy="0"/>
-          <a:chOff x="0" y="0"/>
-          <a:chExt cx="0" cy="0"/>
-        </a:xfrm>
-      </p:grpSpPr>
-      <p:pic>
-        <p:nvPicPr>
-          <p:cNvPr id="3" name="Picture 2">
-            <a:extLst>
-              <a:ext uri="{FF2B5EF4-FFF2-40B4-BE49-F238E27FC236}">
-                <a16:creationId xmlns:a16="http://schemas.microsoft.com/office/drawing/2014/main" id="{B25C66EE-04FA-33C7-26AA-4FB14C34F21A}"/>
-              </a:ext>
-            </a:extLst>
-          </p:cNvPr>
-          <p:cNvPicPr>
-            <a:picLocks noChangeAspect="1"/>
-          </p:cNvPicPr>
-          <p:nvPr/>
-        </p:nvPicPr>
-        <p:blipFill>
-          <a:blip r:embed="rId2"/>
-          <a:stretch>
-            <a:fillRect/>
-          </a:stretch>
-        </p:blipFill>
-        <p:spPr>
-          <a:xfrm>
-            <a:off x="3559785" y="0"/>
-            <a:ext cx="4722569" cy="6809286"/>
-          </a:xfrm>
-          <a:prstGeom prst="rect">
-            <a:avLst/>
-          </a:prstGeom>
-        </p:spPr>
-      </p:pic>
-      <p:cxnSp>
-        <p:nvCxnSpPr>
-          <p:cNvPr id="2" name="Straight Connector 1">
-            <a:extLst>
-              <a:ext uri="{FF2B5EF4-FFF2-40B4-BE49-F238E27FC236}">
-                <a16:creationId xmlns:a16="http://schemas.microsoft.com/office/drawing/2014/main" id="{E38CBC89-3293-FE57-7CD4-BCE11A719E70}"/>
-              </a:ext>
-            </a:extLst>
-          </p:cNvPr>
-          <p:cNvCxnSpPr>
-            <a:cxnSpLocks/>
-          </p:cNvCxnSpPr>
-          <p:nvPr/>
-        </p:nvCxnSpPr>
-        <p:spPr>
-          <a:xfrm>
-            <a:off x="3755734" y="766030"/>
-            <a:ext cx="4526620" cy="0"/>
-          </a:xfrm>
-          <a:prstGeom prst="line">
-            <a:avLst/>
-          </a:prstGeom>
-          <a:ln w="57150">
-            <a:solidFill>
-              <a:srgbClr val="FF0000"/>
-            </a:solidFill>
-          </a:ln>
-        </p:spPr>
-        <p:style>
-          <a:lnRef idx="1">
-            <a:schemeClr val="accent1"/>
-          </a:lnRef>
-          <a:fillRef idx="0">
-            <a:schemeClr val="accent1"/>
-          </a:fillRef>
-          <a:effectRef idx="0">
-            <a:schemeClr val="accent1"/>
-          </a:effectRef>
-          <a:fontRef idx="minor">
-            <a:schemeClr val="tx1"/>
-          </a:fontRef>
-        </p:style>
-      </p:cxnSp>
-      <p:cxnSp>
-        <p:nvCxnSpPr>
-          <p:cNvPr id="5" name="Straight Connector 4">
-            <a:extLst>
-              <a:ext uri="{FF2B5EF4-FFF2-40B4-BE49-F238E27FC236}">
-                <a16:creationId xmlns:a16="http://schemas.microsoft.com/office/drawing/2014/main" id="{C04A4A1C-7461-A147-005C-0057C1798439}"/>
-              </a:ext>
-            </a:extLst>
-          </p:cNvPr>
-          <p:cNvCxnSpPr>
-            <a:cxnSpLocks/>
-          </p:cNvCxnSpPr>
-          <p:nvPr/>
-        </p:nvCxnSpPr>
-        <p:spPr>
-          <a:xfrm>
-            <a:off x="3755734" y="1147030"/>
-            <a:ext cx="4526620" cy="0"/>
-          </a:xfrm>
-          <a:prstGeom prst="line">
-            <a:avLst/>
-          </a:prstGeom>
-          <a:ln w="57150">
-            <a:solidFill>
-              <a:srgbClr val="FF0000"/>
-            </a:solidFill>
-          </a:ln>
-        </p:spPr>
-        <p:style>
-          <a:lnRef idx="1">
-            <a:schemeClr val="accent1"/>
-          </a:lnRef>
-          <a:fillRef idx="0">
-            <a:schemeClr val="accent1"/>
-          </a:fillRef>
-          <a:effectRef idx="0">
-            <a:schemeClr val="accent1"/>
-          </a:effectRef>
-          <a:fontRef idx="minor">
-            <a:schemeClr val="tx1"/>
-          </a:fontRef>
-        </p:style>
-      </p:cxnSp>
-      <p:cxnSp>
-        <p:nvCxnSpPr>
-          <p:cNvPr id="6" name="Straight Connector 5">
-            <a:extLst>
-              <a:ext uri="{FF2B5EF4-FFF2-40B4-BE49-F238E27FC236}">
-                <a16:creationId xmlns:a16="http://schemas.microsoft.com/office/drawing/2014/main" id="{7BACDA64-9CC8-6AFE-8C5E-23E0D2157642}"/>
-              </a:ext>
-            </a:extLst>
-          </p:cNvPr>
-          <p:cNvCxnSpPr>
-            <a:cxnSpLocks/>
-          </p:cNvCxnSpPr>
-          <p:nvPr/>
-        </p:nvCxnSpPr>
-        <p:spPr>
-          <a:xfrm>
-            <a:off x="3755734" y="1492861"/>
-            <a:ext cx="4526620" cy="0"/>
-          </a:xfrm>
-          <a:prstGeom prst="line">
-            <a:avLst/>
-          </a:prstGeom>
-          <a:ln w="57150">
-            <a:solidFill>
-              <a:srgbClr val="FF0000"/>
-            </a:solidFill>
-          </a:ln>
-        </p:spPr>
-        <p:style>
-          <a:lnRef idx="1">
-            <a:schemeClr val="accent1"/>
-          </a:lnRef>
-          <a:fillRef idx="0">
-            <a:schemeClr val="accent1"/>
-          </a:fillRef>
-          <a:effectRef idx="0">
-            <a:schemeClr val="accent1"/>
-          </a:effectRef>
-          <a:fontRef idx="minor">
-            <a:schemeClr val="tx1"/>
-          </a:fontRef>
-        </p:style>
-      </p:cxnSp>
-      <p:cxnSp>
-        <p:nvCxnSpPr>
-          <p:cNvPr id="7" name="Straight Connector 6">
-            <a:extLst>
-              <a:ext uri="{FF2B5EF4-FFF2-40B4-BE49-F238E27FC236}">
-                <a16:creationId xmlns:a16="http://schemas.microsoft.com/office/drawing/2014/main" id="{78C22F86-78AD-FEF9-A270-204085FE85BD}"/>
-              </a:ext>
-            </a:extLst>
-          </p:cNvPr>
-          <p:cNvCxnSpPr>
-            <a:cxnSpLocks/>
-          </p:cNvCxnSpPr>
-          <p:nvPr/>
-        </p:nvCxnSpPr>
-        <p:spPr>
-          <a:xfrm>
-            <a:off x="3755734" y="1785938"/>
-            <a:ext cx="992112" cy="0"/>
-          </a:xfrm>
-          <a:prstGeom prst="line">
-            <a:avLst/>
-          </a:prstGeom>
-          <a:ln w="57150">
-            <a:solidFill>
-              <a:srgbClr val="FF0000"/>
-            </a:solidFill>
-          </a:ln>
-        </p:spPr>
-        <p:style>
-          <a:lnRef idx="1">
-            <a:schemeClr val="accent1"/>
-          </a:lnRef>
-          <a:fillRef idx="0">
-            <a:schemeClr val="accent1"/>
-          </a:fillRef>
-          <a:effectRef idx="0">
-            <a:schemeClr val="accent1"/>
-          </a:effectRef>
-          <a:fontRef idx="minor">
-            <a:schemeClr val="tx1"/>
-          </a:fontRef>
-        </p:style>
-      </p:cxnSp>
-      <p:cxnSp>
-        <p:nvCxnSpPr>
-          <p:cNvPr id="9" name="Straight Connector 8">
-            <a:extLst>
-              <a:ext uri="{FF2B5EF4-FFF2-40B4-BE49-F238E27FC236}">
-                <a16:creationId xmlns:a16="http://schemas.microsoft.com/office/drawing/2014/main" id="{4B54E258-CAAB-141F-3048-A1E6F85911CA}"/>
-              </a:ext>
-            </a:extLst>
-          </p:cNvPr>
-          <p:cNvCxnSpPr>
-            <a:cxnSpLocks/>
-          </p:cNvCxnSpPr>
-          <p:nvPr/>
-        </p:nvCxnSpPr>
-        <p:spPr>
-          <a:xfrm>
-            <a:off x="4189488" y="2506907"/>
-            <a:ext cx="2668512" cy="0"/>
-          </a:xfrm>
-          <a:prstGeom prst="line">
-            <a:avLst/>
-          </a:prstGeom>
-          <a:ln w="57150">
-            <a:solidFill>
-              <a:srgbClr val="FF0000"/>
-            </a:solidFill>
-          </a:ln>
-        </p:spPr>
-        <p:style>
-          <a:lnRef idx="1">
-            <a:schemeClr val="accent1"/>
-          </a:lnRef>
-          <a:fillRef idx="0">
-            <a:schemeClr val="accent1"/>
-          </a:fillRef>
-          <a:effectRef idx="0">
-            <a:schemeClr val="accent1"/>
-          </a:effectRef>
-          <a:fontRef idx="minor">
-            <a:schemeClr val="tx1"/>
-          </a:fontRef>
-        </p:style>
-      </p:cxnSp>
-      <p:cxnSp>
-        <p:nvCxnSpPr>
-          <p:cNvPr id="11" name="Straight Connector 10">
-            <a:extLst>
-              <a:ext uri="{FF2B5EF4-FFF2-40B4-BE49-F238E27FC236}">
-                <a16:creationId xmlns:a16="http://schemas.microsoft.com/office/drawing/2014/main" id="{6FC874D5-3825-7E14-255C-39C0A2DF6042}"/>
-              </a:ext>
-            </a:extLst>
-          </p:cNvPr>
-          <p:cNvCxnSpPr>
-            <a:cxnSpLocks/>
-          </p:cNvCxnSpPr>
-          <p:nvPr/>
-        </p:nvCxnSpPr>
-        <p:spPr>
-          <a:xfrm>
-            <a:off x="3755734" y="4282953"/>
-            <a:ext cx="2029604" cy="0"/>
-          </a:xfrm>
-          <a:prstGeom prst="line">
-            <a:avLst/>
-          </a:prstGeom>
-          <a:ln w="57150">
-            <a:solidFill>
-              <a:srgbClr val="FF0000"/>
-            </a:solidFill>
-          </a:ln>
-        </p:spPr>
-        <p:style>
-          <a:lnRef idx="1">
-            <a:schemeClr val="accent1"/>
-          </a:lnRef>
-          <a:fillRef idx="0">
-            <a:schemeClr val="accent1"/>
-          </a:fillRef>
-          <a:effectRef idx="0">
-            <a:schemeClr val="accent1"/>
-          </a:effectRef>
-          <a:fontRef idx="minor">
-            <a:schemeClr val="tx1"/>
-          </a:fontRef>
-        </p:style>
-      </p:cxnSp>
-      <p:cxnSp>
-        <p:nvCxnSpPr>
-          <p:cNvPr id="14" name="Straight Connector 13">
-            <a:extLst>
-              <a:ext uri="{FF2B5EF4-FFF2-40B4-BE49-F238E27FC236}">
-                <a16:creationId xmlns:a16="http://schemas.microsoft.com/office/drawing/2014/main" id="{92F9672E-4B09-6244-6C2E-7469C427ED6B}"/>
-              </a:ext>
-            </a:extLst>
-          </p:cNvPr>
-          <p:cNvCxnSpPr>
-            <a:cxnSpLocks/>
-          </p:cNvCxnSpPr>
-          <p:nvPr/>
-        </p:nvCxnSpPr>
-        <p:spPr>
-          <a:xfrm>
-            <a:off x="5134708" y="3913677"/>
-            <a:ext cx="3147646" cy="0"/>
-          </a:xfrm>
-          <a:prstGeom prst="line">
-            <a:avLst/>
-          </a:prstGeom>
-          <a:ln w="57150">
-            <a:solidFill>
-              <a:srgbClr val="FF0000"/>
-            </a:solidFill>
-          </a:ln>
-        </p:spPr>
-        <p:style>
-          <a:lnRef idx="1">
-            <a:schemeClr val="accent1"/>
-          </a:lnRef>
-          <a:fillRef idx="0">
-            <a:schemeClr val="accent1"/>
-          </a:fillRef>
-          <a:effectRef idx="0">
-            <a:schemeClr val="accent1"/>
-          </a:effectRef>
-          <a:fontRef idx="minor">
-            <a:schemeClr val="tx1"/>
-          </a:fontRef>
-        </p:style>
-      </p:cxnSp>
-      <p:cxnSp>
-        <p:nvCxnSpPr>
-          <p:cNvPr id="16" name="Straight Connector 15">
-            <a:extLst>
-              <a:ext uri="{FF2B5EF4-FFF2-40B4-BE49-F238E27FC236}">
-                <a16:creationId xmlns:a16="http://schemas.microsoft.com/office/drawing/2014/main" id="{3A0B11DB-494B-8F54-D489-59D17039B30C}"/>
-              </a:ext>
-            </a:extLst>
-          </p:cNvPr>
-          <p:cNvCxnSpPr>
-            <a:cxnSpLocks/>
-          </p:cNvCxnSpPr>
-          <p:nvPr/>
-        </p:nvCxnSpPr>
-        <p:spPr>
-          <a:xfrm>
-            <a:off x="3710354" y="4980477"/>
-            <a:ext cx="4413738" cy="0"/>
-          </a:xfrm>
-          <a:prstGeom prst="line">
-            <a:avLst/>
-          </a:prstGeom>
-          <a:ln w="57150">
-            <a:solidFill>
-              <a:srgbClr val="FF0000"/>
-            </a:solidFill>
-          </a:ln>
-        </p:spPr>
-        <p:style>
-          <a:lnRef idx="1">
-            <a:schemeClr val="accent1"/>
-          </a:lnRef>
-          <a:fillRef idx="0">
-            <a:schemeClr val="accent1"/>
-          </a:fillRef>
-          <a:effectRef idx="0">
-            <a:schemeClr val="accent1"/>
-          </a:effectRef>
-          <a:fontRef idx="minor">
-            <a:schemeClr val="tx1"/>
-          </a:fontRef>
-        </p:style>
-      </p:cxnSp>
-      <p:cxnSp>
-        <p:nvCxnSpPr>
-          <p:cNvPr id="18" name="Straight Connector 17">
-            <a:extLst>
-              <a:ext uri="{FF2B5EF4-FFF2-40B4-BE49-F238E27FC236}">
-                <a16:creationId xmlns:a16="http://schemas.microsoft.com/office/drawing/2014/main" id="{E8A6B530-DF2A-6C7D-1597-06BC0857E4C5}"/>
-              </a:ext>
-            </a:extLst>
-          </p:cNvPr>
-          <p:cNvCxnSpPr>
-            <a:cxnSpLocks/>
-          </p:cNvCxnSpPr>
-          <p:nvPr/>
-        </p:nvCxnSpPr>
-        <p:spPr>
-          <a:xfrm>
-            <a:off x="3578469" y="5326308"/>
-            <a:ext cx="1362808" cy="0"/>
-          </a:xfrm>
-          <a:prstGeom prst="line">
-            <a:avLst/>
-          </a:prstGeom>
-          <a:ln w="57150">
-            <a:solidFill>
-              <a:srgbClr val="FF0000"/>
-            </a:solidFill>
-          </a:ln>
-        </p:spPr>
-        <p:style>
-          <a:lnRef idx="1">
-            <a:schemeClr val="accent1"/>
-          </a:lnRef>
-          <a:fillRef idx="0">
-            <a:schemeClr val="accent1"/>
-          </a:fillRef>
-          <a:effectRef idx="0">
-            <a:schemeClr val="accent1"/>
-          </a:effectRef>
-          <a:fontRef idx="minor">
-            <a:schemeClr val="tx1"/>
-          </a:fontRef>
-        </p:style>
-      </p:cxnSp>
-      <p:sp>
-        <p:nvSpPr>
-          <p:cNvPr id="20" name="Rectangle 19">
-            <a:extLst>
-              <a:ext uri="{FF2B5EF4-FFF2-40B4-BE49-F238E27FC236}">
-                <a16:creationId xmlns:a16="http://schemas.microsoft.com/office/drawing/2014/main" id="{F9308F79-FEE0-7118-E0FE-A2C213629730}"/>
-              </a:ext>
-            </a:extLst>
-          </p:cNvPr>
-          <p:cNvSpPr/>
-          <p:nvPr/>
-        </p:nvSpPr>
-        <p:spPr>
-          <a:xfrm>
-            <a:off x="4959961" y="5013813"/>
-            <a:ext cx="825377" cy="347664"/>
-          </a:xfrm>
-          <a:prstGeom prst="rect">
-            <a:avLst/>
-          </a:prstGeom>
-          <a:noFill/>
-          <a:ln w="76200">
-            <a:solidFill>
-              <a:srgbClr val="FF0000"/>
-            </a:solidFill>
-          </a:ln>
-        </p:spPr>
-        <p:style>
-          <a:lnRef idx="2">
-            <a:schemeClr val="accent1">
-              <a:shade val="15000"/>
-            </a:schemeClr>
-          </a:lnRef>
-          <a:fillRef idx="1">
-            <a:schemeClr val="accent1"/>
-          </a:fillRef>
-          <a:effectRef idx="0">
-            <a:schemeClr val="accent1"/>
-          </a:effectRef>
-          <a:fontRef idx="minor">
-            <a:schemeClr val="lt1"/>
-          </a:fontRef>
-        </p:style>
-        <p:txBody>
-          <a:bodyPr rtlCol="0" anchor="ctr"/>
-          <a:lstStyle/>
-          <a:p>
-            <a:pPr algn="ctr"/>
-            <a:endParaRPr lang="es-PE"/>
-          </a:p>
-        </p:txBody>
-      </p:sp>
-      <p:sp>
-        <p:nvSpPr>
-          <p:cNvPr id="21" name="Rectangle 20">
-            <a:extLst>
-              <a:ext uri="{FF2B5EF4-FFF2-40B4-BE49-F238E27FC236}">
-                <a16:creationId xmlns:a16="http://schemas.microsoft.com/office/drawing/2014/main" id="{AF21920C-1419-9E89-A8B6-806DC15127FD}"/>
-              </a:ext>
-            </a:extLst>
-          </p:cNvPr>
-          <p:cNvSpPr/>
-          <p:nvPr/>
-        </p:nvSpPr>
-        <p:spPr>
-          <a:xfrm>
-            <a:off x="5523744" y="3618767"/>
-            <a:ext cx="1826625" cy="341789"/>
-          </a:xfrm>
-          <a:prstGeom prst="rect">
-            <a:avLst/>
-          </a:prstGeom>
-          <a:noFill/>
-          <a:ln w="76200">
-            <a:solidFill>
-              <a:srgbClr val="FF0000"/>
-            </a:solidFill>
-          </a:ln>
-        </p:spPr>
-        <p:style>
-          <a:lnRef idx="2">
-            <a:schemeClr val="accent1">
-              <a:shade val="15000"/>
-            </a:schemeClr>
-          </a:lnRef>
-          <a:fillRef idx="1">
-            <a:schemeClr val="accent1"/>
-          </a:fillRef>
-          <a:effectRef idx="0">
-            <a:schemeClr val="accent1"/>
-          </a:effectRef>
-          <a:fontRef idx="minor">
-            <a:schemeClr val="lt1"/>
-          </a:fontRef>
-        </p:style>
-        <p:txBody>
-          <a:bodyPr rtlCol="0" anchor="ctr"/>
-          <a:lstStyle/>
-          <a:p>
-            <a:pPr algn="ctr"/>
-            <a:endParaRPr lang="es-PE"/>
-          </a:p>
-        </p:txBody>
-      </p:sp>
-      <p:pic>
-        <p:nvPicPr>
-          <p:cNvPr id="22" name="Picture 21">
-            <a:extLst>
-              <a:ext uri="{FF2B5EF4-FFF2-40B4-BE49-F238E27FC236}">
-                <a16:creationId xmlns:a16="http://schemas.microsoft.com/office/drawing/2014/main" id="{308B2D68-6CDF-3972-B2B3-5371A55220E4}"/>
-              </a:ext>
-            </a:extLst>
-          </p:cNvPr>
-          <p:cNvPicPr>
-            <a:picLocks noChangeAspect="1"/>
-          </p:cNvPicPr>
-          <p:nvPr/>
-        </p:nvPicPr>
-        <p:blipFill>
-          <a:blip r:embed="rId3"/>
-          <a:stretch>
-            <a:fillRect/>
-          </a:stretch>
-        </p:blipFill>
-        <p:spPr>
-          <a:xfrm>
-            <a:off x="6210445" y="6473339"/>
-            <a:ext cx="2071909" cy="280594"/>
-          </a:xfrm>
-          <a:prstGeom prst="rect">
-            <a:avLst/>
-          </a:prstGeom>
-        </p:spPr>
-      </p:pic>
-      <p:sp>
-        <p:nvSpPr>
-          <p:cNvPr id="23" name="Rectangle 22">
-            <a:extLst>
-              <a:ext uri="{FF2B5EF4-FFF2-40B4-BE49-F238E27FC236}">
-                <a16:creationId xmlns:a16="http://schemas.microsoft.com/office/drawing/2014/main" id="{8172C3EB-8331-709F-6E14-7004DC55CCCD}"/>
-              </a:ext>
-            </a:extLst>
-          </p:cNvPr>
-          <p:cNvSpPr/>
-          <p:nvPr/>
-        </p:nvSpPr>
-        <p:spPr>
-          <a:xfrm>
-            <a:off x="5385068" y="6439803"/>
-            <a:ext cx="825377" cy="356845"/>
-          </a:xfrm>
-          <a:prstGeom prst="rect">
-            <a:avLst/>
-          </a:prstGeom>
-          <a:noFill/>
-          <a:ln w="76200">
-            <a:solidFill>
-              <a:srgbClr val="FF0000"/>
-            </a:solidFill>
-          </a:ln>
-        </p:spPr>
-        <p:style>
-          <a:lnRef idx="2">
-            <a:schemeClr val="accent1">
-              <a:shade val="15000"/>
-            </a:schemeClr>
-          </a:lnRef>
-          <a:fillRef idx="1">
-            <a:schemeClr val="accent1"/>
-          </a:fillRef>
-          <a:effectRef idx="0">
-            <a:schemeClr val="accent1"/>
-          </a:effectRef>
-          <a:fontRef idx="minor">
-            <a:schemeClr val="lt1"/>
-          </a:fontRef>
-        </p:style>
-        <p:txBody>
-          <a:bodyPr rtlCol="0" anchor="ctr"/>
-          <a:lstStyle/>
-          <a:p>
-            <a:pPr algn="ctr"/>
-            <a:endParaRPr lang="es-PE"/>
-          </a:p>
-        </p:txBody>
-      </p:sp>
-    </p:spTree>
-    <p:extLst>
-      <p:ext uri="{BB962C8B-B14F-4D97-AF65-F5344CB8AC3E}">
-        <p14:creationId xmlns:p14="http://schemas.microsoft.com/office/powerpoint/2010/main" val="3753445927"/>
       </p:ext>
     </p:extLst>
   </p:cSld>
